--- a/PredictiveModeling/Regression/LinearRegression.pptx
+++ b/PredictiveModeling/Regression/LinearRegression.pptx
@@ -16,7 +16,6 @@
     <p:sldId id="264" r:id="rId10"/>
     <p:sldId id="267" r:id="rId11"/>
     <p:sldId id="266" r:id="rId12"/>
-    <p:sldId id="268" r:id="rId13"/>
   </p:sldIdLst>
   <p:sldSz cx="12192000" cy="6858000"/>
   <p:notesSz cx="6858000" cy="9144000"/>
@@ -1418,7 +1417,7 @@
           <a:p>
             <a:fld id="{C369705D-41FE-4C2A-AD94-64E2E5127CB0}" type="datetimeFigureOut">
               <a:rPr lang="it-IT" smtClean="0"/>
-              <a:t>30/05/2022</a:t>
+              <a:t>04/06/2022</a:t>
             </a:fld>
             <a:endParaRPr lang="it-IT"/>
           </a:p>
@@ -1618,7 +1617,7 @@
           <a:p>
             <a:fld id="{C369705D-41FE-4C2A-AD94-64E2E5127CB0}" type="datetimeFigureOut">
               <a:rPr lang="it-IT" smtClean="0"/>
-              <a:t>30/05/2022</a:t>
+              <a:t>04/06/2022</a:t>
             </a:fld>
             <a:endParaRPr lang="it-IT"/>
           </a:p>
@@ -1828,7 +1827,7 @@
           <a:p>
             <a:fld id="{C369705D-41FE-4C2A-AD94-64E2E5127CB0}" type="datetimeFigureOut">
               <a:rPr lang="it-IT" smtClean="0"/>
-              <a:t>30/05/2022</a:t>
+              <a:t>04/06/2022</a:t>
             </a:fld>
             <a:endParaRPr lang="it-IT"/>
           </a:p>
@@ -2028,7 +2027,7 @@
           <a:p>
             <a:fld id="{C369705D-41FE-4C2A-AD94-64E2E5127CB0}" type="datetimeFigureOut">
               <a:rPr lang="it-IT" smtClean="0"/>
-              <a:t>30/05/2022</a:t>
+              <a:t>04/06/2022</a:t>
             </a:fld>
             <a:endParaRPr lang="it-IT"/>
           </a:p>
@@ -2304,7 +2303,7 @@
           <a:p>
             <a:fld id="{C369705D-41FE-4C2A-AD94-64E2E5127CB0}" type="datetimeFigureOut">
               <a:rPr lang="it-IT" smtClean="0"/>
-              <a:t>30/05/2022</a:t>
+              <a:t>04/06/2022</a:t>
             </a:fld>
             <a:endParaRPr lang="it-IT"/>
           </a:p>
@@ -2572,7 +2571,7 @@
           <a:p>
             <a:fld id="{C369705D-41FE-4C2A-AD94-64E2E5127CB0}" type="datetimeFigureOut">
               <a:rPr lang="it-IT" smtClean="0"/>
-              <a:t>30/05/2022</a:t>
+              <a:t>04/06/2022</a:t>
             </a:fld>
             <a:endParaRPr lang="it-IT"/>
           </a:p>
@@ -2987,7 +2986,7 @@
           <a:p>
             <a:fld id="{C369705D-41FE-4C2A-AD94-64E2E5127CB0}" type="datetimeFigureOut">
               <a:rPr lang="it-IT" smtClean="0"/>
-              <a:t>30/05/2022</a:t>
+              <a:t>04/06/2022</a:t>
             </a:fld>
             <a:endParaRPr lang="it-IT"/>
           </a:p>
@@ -3129,7 +3128,7 @@
           <a:p>
             <a:fld id="{C369705D-41FE-4C2A-AD94-64E2E5127CB0}" type="datetimeFigureOut">
               <a:rPr lang="it-IT" smtClean="0"/>
-              <a:t>30/05/2022</a:t>
+              <a:t>04/06/2022</a:t>
             </a:fld>
             <a:endParaRPr lang="it-IT"/>
           </a:p>
@@ -3242,7 +3241,7 @@
           <a:p>
             <a:fld id="{C369705D-41FE-4C2A-AD94-64E2E5127CB0}" type="datetimeFigureOut">
               <a:rPr lang="it-IT" smtClean="0"/>
-              <a:t>30/05/2022</a:t>
+              <a:t>04/06/2022</a:t>
             </a:fld>
             <a:endParaRPr lang="it-IT"/>
           </a:p>
@@ -3555,7 +3554,7 @@
           <a:p>
             <a:fld id="{C369705D-41FE-4C2A-AD94-64E2E5127CB0}" type="datetimeFigureOut">
               <a:rPr lang="it-IT" smtClean="0"/>
-              <a:t>30/05/2022</a:t>
+              <a:t>04/06/2022</a:t>
             </a:fld>
             <a:endParaRPr lang="it-IT"/>
           </a:p>
@@ -3844,7 +3843,7 @@
           <a:p>
             <a:fld id="{C369705D-41FE-4C2A-AD94-64E2E5127CB0}" type="datetimeFigureOut">
               <a:rPr lang="it-IT" smtClean="0"/>
-              <a:t>30/05/2022</a:t>
+              <a:t>04/06/2022</a:t>
             </a:fld>
             <a:endParaRPr lang="it-IT"/>
           </a:p>
@@ -4087,7 +4086,7 @@
           <a:p>
             <a:fld id="{C369705D-41FE-4C2A-AD94-64E2E5127CB0}" type="datetimeFigureOut">
               <a:rPr lang="it-IT" smtClean="0"/>
-              <a:t>30/05/2022</a:t>
+              <a:t>04/06/2022</a:t>
             </a:fld>
             <a:endParaRPr lang="it-IT"/>
           </a:p>
@@ -4806,8 +4805,8 @@
           <a:chExt cx="0" cy="0"/>
         </a:xfrm>
       </p:grpSpPr>
-      <mc:AlternateContent xmlns:mc="http://schemas.openxmlformats.org/markup-compatibility/2006" xmlns:a14="http://schemas.microsoft.com/office/drawing/2010/main">
-        <mc:Choice Requires="a14">
+      <mc:AlternateContent xmlns:mc="http://schemas.openxmlformats.org/markup-compatibility/2006">
+        <mc:Choice xmlns:a14="http://schemas.microsoft.com/office/drawing/2010/main" Requires="a14">
           <p:sp>
             <p:nvSpPr>
               <p:cNvPr id="4" name="TextBox 3">
@@ -4822,7 +4821,7 @@
             </p:nvSpPr>
             <p:spPr>
               <a:xfrm>
-                <a:off x="635562" y="1802690"/>
+                <a:off x="8569045" y="2103231"/>
                 <a:ext cx="2358827" cy="756297"/>
               </a:xfrm>
               <a:prstGeom prst="rect">
@@ -4951,7 +4950,7 @@
             </p:txBody>
           </p:sp>
         </mc:Choice>
-        <mc:Fallback xmlns="">
+        <mc:Fallback>
           <p:sp>
             <p:nvSpPr>
               <p:cNvPr id="4" name="TextBox 3">
@@ -4968,7 +4967,7 @@
             </p:nvSpPr>
             <p:spPr>
               <a:xfrm>
-                <a:off x="635562" y="1802690"/>
+                <a:off x="8569045" y="2103231"/>
                 <a:ext cx="2358827" cy="756297"/>
               </a:xfrm>
               <a:prstGeom prst="rect">
@@ -4996,8 +4995,8 @@
           </p:sp>
         </mc:Fallback>
       </mc:AlternateContent>
-      <mc:AlternateContent xmlns:mc="http://schemas.openxmlformats.org/markup-compatibility/2006" xmlns:a14="http://schemas.microsoft.com/office/drawing/2010/main">
-        <mc:Choice Requires="a14">
+      <mc:AlternateContent xmlns:mc="http://schemas.openxmlformats.org/markup-compatibility/2006">
+        <mc:Choice xmlns:a14="http://schemas.microsoft.com/office/drawing/2010/main" Requires="a14">
           <p:sp>
             <p:nvSpPr>
               <p:cNvPr id="5" name="TextBox 4">
@@ -5012,7 +5011,7 @@
             </p:nvSpPr>
             <p:spPr>
               <a:xfrm>
-                <a:off x="790592" y="2915989"/>
+                <a:off x="8724075" y="3216530"/>
                 <a:ext cx="2140073" cy="756233"/>
               </a:xfrm>
               <a:prstGeom prst="rect">
@@ -5214,7 +5213,7 @@
             </p:txBody>
           </p:sp>
         </mc:Choice>
-        <mc:Fallback xmlns="">
+        <mc:Fallback>
           <p:sp>
             <p:nvSpPr>
               <p:cNvPr id="5" name="TextBox 4">
@@ -5231,7 +5230,7 @@
             </p:nvSpPr>
             <p:spPr>
               <a:xfrm>
-                <a:off x="790592" y="2915989"/>
+                <a:off x="8724075" y="3216530"/>
                 <a:ext cx="2140073" cy="756233"/>
               </a:xfrm>
               <a:prstGeom prst="rect">
@@ -5275,7 +5274,7 @@
             </p:nvSpPr>
             <p:spPr>
               <a:xfrm>
-                <a:off x="790592" y="4043072"/>
+                <a:off x="8724075" y="4343613"/>
                 <a:ext cx="2125069" cy="756233"/>
               </a:xfrm>
               <a:prstGeom prst="rect">
@@ -5494,7 +5493,7 @@
             </p:nvSpPr>
             <p:spPr>
               <a:xfrm>
-                <a:off x="790592" y="4043072"/>
+                <a:off x="8724075" y="4343613"/>
                 <a:ext cx="2125069" cy="756233"/>
               </a:xfrm>
               <a:prstGeom prst="rect">
@@ -5522,568 +5521,507 @@
           </p:sp>
         </mc:Fallback>
       </mc:AlternateContent>
-      <p:pic>
-        <p:nvPicPr>
-          <p:cNvPr id="1026" name="Picture 2">
+      <p:grpSp>
+        <p:nvGrpSpPr>
+          <p:cNvPr id="3" name="Group 2">
             <a:extLst>
               <a:ext uri="{FF2B5EF4-FFF2-40B4-BE49-F238E27FC236}">
-                <a16:creationId xmlns:a16="http://schemas.microsoft.com/office/drawing/2014/main" id="{1C01ADCC-CAE2-39B5-DD7A-40422C918146}"/>
+                <a16:creationId xmlns:a16="http://schemas.microsoft.com/office/drawing/2014/main" id="{236E1CE0-B7FF-B276-00A5-7A167BF16401}"/>
               </a:ext>
             </a:extLst>
           </p:cNvPr>
-          <p:cNvPicPr>
-            <a:picLocks noChangeAspect="1" noChangeArrowheads="1"/>
-          </p:cNvPicPr>
+          <p:cNvGrpSpPr/>
           <p:nvPr/>
-        </p:nvPicPr>
-        <p:blipFill>
-          <a:blip r:embed="rId5">
+        </p:nvGrpSpPr>
+        <p:grpSpPr>
+          <a:xfrm>
+            <a:off x="450775" y="1338384"/>
+            <a:ext cx="6911078" cy="4667675"/>
+            <a:chOff x="4072812" y="1594323"/>
+            <a:chExt cx="5311314" cy="3579364"/>
+          </a:xfrm>
+        </p:grpSpPr>
+        <p:pic>
+          <p:nvPicPr>
+            <p:cNvPr id="1026" name="Picture 2">
+              <a:extLst>
+                <a:ext uri="{FF2B5EF4-FFF2-40B4-BE49-F238E27FC236}">
+                  <a16:creationId xmlns:a16="http://schemas.microsoft.com/office/drawing/2014/main" id="{1C01ADCC-CAE2-39B5-DD7A-40422C918146}"/>
+                </a:ext>
+              </a:extLst>
+            </p:cNvPr>
+            <p:cNvPicPr>
+              <a:picLocks noChangeAspect="1" noChangeArrowheads="1"/>
+            </p:cNvPicPr>
+            <p:nvPr/>
+          </p:nvPicPr>
+          <p:blipFill>
+            <a:blip r:embed="rId5">
+              <a:extLst>
+                <a:ext uri="{28A0092B-C50C-407E-A947-70E740481C1C}">
+                  <a14:useLocalDpi xmlns:a14="http://schemas.microsoft.com/office/drawing/2010/main" val="0"/>
+                </a:ext>
+              </a:extLst>
+            </a:blip>
+            <a:srcRect/>
+            <a:stretch>
+              <a:fillRect/>
+            </a:stretch>
+          </p:blipFill>
+          <p:spPr bwMode="auto">
+            <a:xfrm>
+              <a:off x="4072812" y="1594323"/>
+              <a:ext cx="5311314" cy="3579364"/>
+            </a:xfrm>
+            <a:prstGeom prst="rect">
+              <a:avLst/>
+            </a:prstGeom>
+            <a:noFill/>
             <a:extLst>
-              <a:ext uri="{28A0092B-C50C-407E-A947-70E740481C1C}">
-                <a14:useLocalDpi xmlns:a14="http://schemas.microsoft.com/office/drawing/2010/main" val="0"/>
+              <a:ext uri="{909E8E84-426E-40DD-AFC4-6F175D3DCCD1}">
+                <a14:hiddenFill xmlns:a14="http://schemas.microsoft.com/office/drawing/2010/main">
+                  <a:solidFill>
+                    <a:srgbClr val="FFFFFF"/>
+                  </a:solidFill>
+                </a14:hiddenFill>
               </a:ext>
             </a:extLst>
-          </a:blip>
-          <a:srcRect/>
-          <a:stretch>
-            <a:fillRect/>
-          </a:stretch>
-        </p:blipFill>
-        <p:spPr bwMode="auto">
+          </p:spPr>
+        </p:pic>
+        <p:cxnSp>
+          <p:nvCxnSpPr>
+            <p:cNvPr id="10" name="Straight Arrow Connector 9">
+              <a:extLst>
+                <a:ext uri="{FF2B5EF4-FFF2-40B4-BE49-F238E27FC236}">
+                  <a16:creationId xmlns:a16="http://schemas.microsoft.com/office/drawing/2014/main" id="{B8EE3B4E-A5FD-FCDE-3CFE-91D0E0E5446E}"/>
+                </a:ext>
+              </a:extLst>
+            </p:cNvPr>
+            <p:cNvCxnSpPr/>
+            <p:nvPr/>
+          </p:nvCxnSpPr>
+          <p:spPr>
+            <a:xfrm>
+              <a:off x="8154955" y="2743200"/>
+              <a:ext cx="0" cy="457200"/>
+            </a:xfrm>
+            <a:prstGeom prst="straightConnector1">
+              <a:avLst/>
+            </a:prstGeom>
+            <a:ln>
+              <a:solidFill>
+                <a:schemeClr val="tx1"/>
+              </a:solidFill>
+              <a:headEnd type="triangle"/>
+              <a:tailEnd type="triangle"/>
+            </a:ln>
+          </p:spPr>
+          <p:style>
+            <a:lnRef idx="1">
+              <a:schemeClr val="accent1"/>
+            </a:lnRef>
+            <a:fillRef idx="0">
+              <a:schemeClr val="accent1"/>
+            </a:fillRef>
+            <a:effectRef idx="0">
+              <a:schemeClr val="accent1"/>
+            </a:effectRef>
+            <a:fontRef idx="minor">
+              <a:schemeClr val="tx1"/>
+            </a:fontRef>
+          </p:style>
+        </p:cxnSp>
+        <mc:AlternateContent xmlns:mc="http://schemas.openxmlformats.org/markup-compatibility/2006">
+          <mc:Choice xmlns:a14="http://schemas.microsoft.com/office/drawing/2010/main" Requires="a14">
+            <p:sp>
+              <p:nvSpPr>
+                <p:cNvPr id="12" name="TextBox 11">
+                  <a:extLst>
+                    <a:ext uri="{FF2B5EF4-FFF2-40B4-BE49-F238E27FC236}">
+                      <a16:creationId xmlns:a16="http://schemas.microsoft.com/office/drawing/2014/main" id="{5EEEA156-3C1C-C945-A147-3E1A9AB861EC}"/>
+                    </a:ext>
+                  </a:extLst>
+                </p:cNvPr>
+                <p:cNvSpPr txBox="1"/>
+                <p:nvPr/>
+              </p:nvSpPr>
+              <p:spPr>
+                <a:xfrm>
+                  <a:off x="8209818" y="2811396"/>
+                  <a:ext cx="733791" cy="276999"/>
+                </a:xfrm>
+                <a:prstGeom prst="rect">
+                  <a:avLst/>
+                </a:prstGeom>
+                <a:noFill/>
+              </p:spPr>
+              <p:txBody>
+                <a:bodyPr wrap="square" lIns="0" tIns="0" rIns="0" bIns="0" rtlCol="0">
+                  <a:spAutoFit/>
+                </a:bodyPr>
+                <a:lstStyle/>
+                <a:p>
+                  <a:pPr/>
+                  <a14:m>
+                    <m:oMathPara xmlns:m="http://schemas.openxmlformats.org/officeDocument/2006/math">
+                      <m:oMathParaPr>
+                        <m:jc m:val="centerGroup"/>
+                      </m:oMathParaPr>
+                      <m:oMath xmlns:m="http://schemas.openxmlformats.org/officeDocument/2006/math">
+                        <m:sSub>
+                          <m:sSubPr>
+                            <m:ctrlPr>
+                              <a:rPr lang="it-IT" i="1" smtClean="0">
+                                <a:latin typeface="Cambria Math" panose="02040503050406030204" pitchFamily="18" charset="0"/>
+                              </a:rPr>
+                            </m:ctrlPr>
+                          </m:sSubPr>
+                          <m:e>
+                            <m:r>
+                              <a:rPr lang="en-GB" b="0" i="1" smtClean="0">
+                                <a:latin typeface="Cambria Math" panose="02040503050406030204" pitchFamily="18" charset="0"/>
+                              </a:rPr>
+                              <m:t>𝑦</m:t>
+                            </m:r>
+                          </m:e>
+                          <m:sub>
+                            <m:r>
+                              <a:rPr lang="en-GB" b="0" i="1" smtClean="0">
+                                <a:latin typeface="Cambria Math" panose="02040503050406030204" pitchFamily="18" charset="0"/>
+                              </a:rPr>
+                              <m:t>𝑖</m:t>
+                            </m:r>
+                          </m:sub>
+                        </m:sSub>
+                        <m:r>
+                          <a:rPr lang="it-IT" i="1">
+                            <a:latin typeface="Cambria Math" panose="02040503050406030204" pitchFamily="18" charset="0"/>
+                          </a:rPr>
+                          <m:t>−</m:t>
+                        </m:r>
+                        <m:sSub>
+                          <m:sSubPr>
+                            <m:ctrlPr>
+                              <a:rPr lang="it-IT" i="1">
+                                <a:latin typeface="Cambria Math" panose="02040503050406030204" pitchFamily="18" charset="0"/>
+                              </a:rPr>
+                            </m:ctrlPr>
+                          </m:sSubPr>
+                          <m:e>
+                            <m:acc>
+                              <m:accPr>
+                                <m:chr m:val="̅"/>
+                                <m:ctrlPr>
+                                  <a:rPr lang="it-IT" i="1" smtClean="0">
+                                    <a:latin typeface="Cambria Math" panose="02040503050406030204" pitchFamily="18" charset="0"/>
+                                  </a:rPr>
+                                </m:ctrlPr>
+                              </m:accPr>
+                              <m:e>
+                                <m:r>
+                                  <a:rPr lang="en-GB" b="0" i="1" smtClean="0">
+                                    <a:latin typeface="Cambria Math" panose="02040503050406030204" pitchFamily="18" charset="0"/>
+                                  </a:rPr>
+                                  <m:t>𝑦</m:t>
+                                </m:r>
+                              </m:e>
+                            </m:acc>
+                          </m:e>
+                          <m:sub>
+                            <m:r>
+                              <a:rPr lang="it-IT" i="1">
+                                <a:latin typeface="Cambria Math" panose="02040503050406030204" pitchFamily="18" charset="0"/>
+                              </a:rPr>
+                              <m:t>𝑖</m:t>
+                            </m:r>
+                          </m:sub>
+                        </m:sSub>
+                      </m:oMath>
+                    </m:oMathPara>
+                  </a14:m>
+                  <a:endParaRPr lang="en-GB" dirty="0"/>
+                </a:p>
+              </p:txBody>
+            </p:sp>
+          </mc:Choice>
+          <mc:Fallback>
+            <p:sp>
+              <p:nvSpPr>
+                <p:cNvPr id="12" name="TextBox 11">
+                  <a:extLst>
+                    <a:ext uri="{FF2B5EF4-FFF2-40B4-BE49-F238E27FC236}">
+                      <a16:creationId xmlns:a16="http://schemas.microsoft.com/office/drawing/2014/main" id="{5EEEA156-3C1C-C945-A147-3E1A9AB861EC}"/>
+                    </a:ext>
+                  </a:extLst>
+                </p:cNvPr>
+                <p:cNvSpPr txBox="1">
+                  <a:spLocks noRot="1" noChangeAspect="1" noMove="1" noResize="1" noEditPoints="1" noAdjustHandles="1" noChangeArrowheads="1" noChangeShapeType="1" noTextEdit="1"/>
+                </p:cNvSpPr>
+                <p:nvPr/>
+              </p:nvSpPr>
+              <p:spPr>
+                <a:xfrm>
+                  <a:off x="8209818" y="2811396"/>
+                  <a:ext cx="733791" cy="276999"/>
+                </a:xfrm>
+                <a:prstGeom prst="rect">
+                  <a:avLst/>
+                </a:prstGeom>
+                <a:blipFill>
+                  <a:blip r:embed="rId6"/>
+                  <a:stretch>
+                    <a:fillRect r="-13376"/>
+                  </a:stretch>
+                </a:blipFill>
+              </p:spPr>
+              <p:txBody>
+                <a:bodyPr/>
+                <a:lstStyle/>
+                <a:p>
+                  <a:r>
+                    <a:rPr lang="en-GB">
+                      <a:noFill/>
+                    </a:rPr>
+                    <a:t> </a:t>
+                  </a:r>
+                </a:p>
+              </p:txBody>
+            </p:sp>
+          </mc:Fallback>
+        </mc:AlternateContent>
+        <p:cxnSp>
+          <p:nvCxnSpPr>
+            <p:cNvPr id="13" name="Straight Arrow Connector 12">
+              <a:extLst>
+                <a:ext uri="{FF2B5EF4-FFF2-40B4-BE49-F238E27FC236}">
+                  <a16:creationId xmlns:a16="http://schemas.microsoft.com/office/drawing/2014/main" id="{AC3C9D0F-FDB7-CB6E-D3BB-845D554423A6}"/>
+                </a:ext>
+              </a:extLst>
+            </p:cNvPr>
+            <p:cNvCxnSpPr>
+              <a:cxnSpLocks/>
+            </p:cNvCxnSpPr>
+            <p:nvPr/>
+          </p:nvCxnSpPr>
+          <p:spPr>
+            <a:xfrm>
+              <a:off x="7455157" y="2180839"/>
+              <a:ext cx="0" cy="692990"/>
+            </a:xfrm>
+            <a:prstGeom prst="straightConnector1">
+              <a:avLst/>
+            </a:prstGeom>
+            <a:ln>
+              <a:solidFill>
+                <a:schemeClr val="tx1"/>
+              </a:solidFill>
+              <a:headEnd type="triangle"/>
+              <a:tailEnd type="triangle"/>
+            </a:ln>
+          </p:spPr>
+          <p:style>
+            <a:lnRef idx="1">
+              <a:schemeClr val="accent1"/>
+            </a:lnRef>
+            <a:fillRef idx="0">
+              <a:schemeClr val="accent1"/>
+            </a:fillRef>
+            <a:effectRef idx="0">
+              <a:schemeClr val="accent1"/>
+            </a:effectRef>
+            <a:fontRef idx="minor">
+              <a:schemeClr val="tx1"/>
+            </a:fontRef>
+          </p:style>
+        </p:cxnSp>
+        <mc:AlternateContent xmlns:mc="http://schemas.openxmlformats.org/markup-compatibility/2006">
+          <mc:Choice xmlns:a14="http://schemas.microsoft.com/office/drawing/2010/main" Requires="a14">
+            <p:sp>
+              <p:nvSpPr>
+                <p:cNvPr id="15" name="TextBox 14">
+                  <a:extLst>
+                    <a:ext uri="{FF2B5EF4-FFF2-40B4-BE49-F238E27FC236}">
+                      <a16:creationId xmlns:a16="http://schemas.microsoft.com/office/drawing/2014/main" id="{45F72ED0-FDDA-051C-1DEC-2EBE49586056}"/>
+                    </a:ext>
+                  </a:extLst>
+                </p:cNvPr>
+                <p:cNvSpPr txBox="1"/>
+                <p:nvPr/>
+              </p:nvSpPr>
+              <p:spPr>
+                <a:xfrm>
+                  <a:off x="6666503" y="2388834"/>
+                  <a:ext cx="733791" cy="276999"/>
+                </a:xfrm>
+                <a:prstGeom prst="rect">
+                  <a:avLst/>
+                </a:prstGeom>
+                <a:noFill/>
+              </p:spPr>
+              <p:txBody>
+                <a:bodyPr wrap="none" lIns="0" tIns="0" rIns="0" bIns="0" rtlCol="0">
+                  <a:spAutoFit/>
+                </a:bodyPr>
+                <a:lstStyle/>
+                <a:p>
+                  <a:pPr/>
+                  <a14:m>
+                    <m:oMathPara xmlns:m="http://schemas.openxmlformats.org/officeDocument/2006/math">
+                      <m:oMathParaPr>
+                        <m:jc m:val="centerGroup"/>
+                      </m:oMathParaPr>
+                      <m:oMath xmlns:m="http://schemas.openxmlformats.org/officeDocument/2006/math">
+                        <m:sSub>
+                          <m:sSubPr>
+                            <m:ctrlPr>
+                              <a:rPr lang="it-IT" i="1" smtClean="0">
+                                <a:latin typeface="Cambria Math" panose="02040503050406030204" pitchFamily="18" charset="0"/>
+                              </a:rPr>
+                            </m:ctrlPr>
+                          </m:sSubPr>
+                          <m:e>
+                            <m:r>
+                              <a:rPr lang="en-GB" b="0" i="1" smtClean="0">
+                                <a:latin typeface="Cambria Math" panose="02040503050406030204" pitchFamily="18" charset="0"/>
+                              </a:rPr>
+                              <m:t>𝑦</m:t>
+                            </m:r>
+                          </m:e>
+                          <m:sub>
+                            <m:r>
+                              <a:rPr lang="en-GB" b="0" i="1" smtClean="0">
+                                <a:latin typeface="Cambria Math" panose="02040503050406030204" pitchFamily="18" charset="0"/>
+                              </a:rPr>
+                              <m:t>𝑖</m:t>
+                            </m:r>
+                          </m:sub>
+                        </m:sSub>
+                        <m:r>
+                          <a:rPr lang="it-IT" i="1">
+                            <a:latin typeface="Cambria Math" panose="02040503050406030204" pitchFamily="18" charset="0"/>
+                          </a:rPr>
+                          <m:t>−</m:t>
+                        </m:r>
+                        <m:sSub>
+                          <m:sSubPr>
+                            <m:ctrlPr>
+                              <a:rPr lang="it-IT" i="1">
+                                <a:latin typeface="Cambria Math" panose="02040503050406030204" pitchFamily="18" charset="0"/>
+                              </a:rPr>
+                            </m:ctrlPr>
+                          </m:sSubPr>
+                          <m:e>
+                            <m:r>
+                              <a:rPr lang="it-IT" i="1">
+                                <a:latin typeface="Cambria Math" panose="02040503050406030204" pitchFamily="18" charset="0"/>
+                              </a:rPr>
+                              <m:t>ŷ</m:t>
+                            </m:r>
+                          </m:e>
+                          <m:sub>
+                            <m:r>
+                              <a:rPr lang="it-IT" i="1">
+                                <a:latin typeface="Cambria Math" panose="02040503050406030204" pitchFamily="18" charset="0"/>
+                              </a:rPr>
+                              <m:t>𝑖</m:t>
+                            </m:r>
+                          </m:sub>
+                        </m:sSub>
+                      </m:oMath>
+                    </m:oMathPara>
+                  </a14:m>
+                  <a:endParaRPr lang="en-GB" dirty="0"/>
+                </a:p>
+              </p:txBody>
+            </p:sp>
+          </mc:Choice>
+          <mc:Fallback>
+            <p:sp>
+              <p:nvSpPr>
+                <p:cNvPr id="15" name="TextBox 14">
+                  <a:extLst>
+                    <a:ext uri="{FF2B5EF4-FFF2-40B4-BE49-F238E27FC236}">
+                      <a16:creationId xmlns:a16="http://schemas.microsoft.com/office/drawing/2014/main" id="{45F72ED0-FDDA-051C-1DEC-2EBE49586056}"/>
+                    </a:ext>
+                  </a:extLst>
+                </p:cNvPr>
+                <p:cNvSpPr txBox="1">
+                  <a:spLocks noRot="1" noChangeAspect="1" noMove="1" noResize="1" noEditPoints="1" noAdjustHandles="1" noChangeArrowheads="1" noChangeShapeType="1" noTextEdit="1"/>
+                </p:cNvSpPr>
+                <p:nvPr/>
+              </p:nvSpPr>
+              <p:spPr>
+                <a:xfrm>
+                  <a:off x="6666503" y="2388834"/>
+                  <a:ext cx="733791" cy="276999"/>
+                </a:xfrm>
+                <a:prstGeom prst="rect">
+                  <a:avLst/>
+                </a:prstGeom>
+                <a:blipFill>
+                  <a:blip r:embed="rId7"/>
+                  <a:stretch>
+                    <a:fillRect t="-3390" b="-3390"/>
+                  </a:stretch>
+                </a:blipFill>
+              </p:spPr>
+              <p:txBody>
+                <a:bodyPr/>
+                <a:lstStyle/>
+                <a:p>
+                  <a:r>
+                    <a:rPr lang="en-GB">
+                      <a:noFill/>
+                    </a:rPr>
+                    <a:t> </a:t>
+                  </a:r>
+                </a:p>
+              </p:txBody>
+            </p:sp>
+          </mc:Fallback>
+        </mc:AlternateContent>
+      </p:grpSp>
+      <p:sp>
+        <p:nvSpPr>
+          <p:cNvPr id="11" name="TextBox 10">
+            <a:extLst>
+              <a:ext uri="{FF2B5EF4-FFF2-40B4-BE49-F238E27FC236}">
+                <a16:creationId xmlns:a16="http://schemas.microsoft.com/office/drawing/2014/main" id="{34E5884F-AA35-C2C1-01E4-A6187097D126}"/>
+              </a:ext>
+            </a:extLst>
+          </p:cNvPr>
+          <p:cNvSpPr txBox="1"/>
+          <p:nvPr/>
+        </p:nvSpPr>
+        <p:spPr>
           <a:xfrm>
-            <a:off x="4072812" y="1594323"/>
-            <a:ext cx="5311314" cy="3579364"/>
+            <a:off x="568949" y="398497"/>
+            <a:ext cx="6097554" cy="369332"/>
           </a:xfrm>
           <a:prstGeom prst="rect">
             <a:avLst/>
           </a:prstGeom>
           <a:noFill/>
-          <a:extLst>
-            <a:ext uri="{909E8E84-426E-40DD-AFC4-6F175D3DCCD1}">
-              <a14:hiddenFill xmlns:a14="http://schemas.microsoft.com/office/drawing/2010/main">
-                <a:solidFill>
-                  <a:srgbClr val="FFFFFF"/>
-                </a:solidFill>
-              </a14:hiddenFill>
-            </a:ext>
-          </a:extLst>
-        </p:spPr>
-      </p:pic>
-      <p:cxnSp>
-        <p:nvCxnSpPr>
-          <p:cNvPr id="10" name="Straight Arrow Connector 9">
-            <a:extLst>
-              <a:ext uri="{FF2B5EF4-FFF2-40B4-BE49-F238E27FC236}">
-                <a16:creationId xmlns:a16="http://schemas.microsoft.com/office/drawing/2014/main" id="{B8EE3B4E-A5FD-FCDE-3CFE-91D0E0E5446E}"/>
-              </a:ext>
-            </a:extLst>
-          </p:cNvPr>
-          <p:cNvCxnSpPr/>
-          <p:nvPr/>
-        </p:nvCxnSpPr>
-        <p:spPr>
-          <a:xfrm>
-            <a:off x="8154955" y="2743200"/>
-            <a:ext cx="0" cy="457200"/>
-          </a:xfrm>
-          <a:prstGeom prst="straightConnector1">
-            <a:avLst/>
-          </a:prstGeom>
-          <a:ln>
-            <a:solidFill>
-              <a:schemeClr val="tx1"/>
-            </a:solidFill>
-            <a:headEnd type="triangle"/>
-            <a:tailEnd type="triangle"/>
-          </a:ln>
-        </p:spPr>
-        <p:style>
-          <a:lnRef idx="1">
-            <a:schemeClr val="accent1"/>
-          </a:lnRef>
-          <a:fillRef idx="0">
-            <a:schemeClr val="accent1"/>
-          </a:fillRef>
-          <a:effectRef idx="0">
-            <a:schemeClr val="accent1"/>
-          </a:effectRef>
-          <a:fontRef idx="minor">
-            <a:schemeClr val="tx1"/>
-          </a:fontRef>
-        </p:style>
-      </p:cxnSp>
-      <mc:AlternateContent xmlns:mc="http://schemas.openxmlformats.org/markup-compatibility/2006" xmlns:a14="http://schemas.microsoft.com/office/drawing/2010/main">
-        <mc:Choice Requires="a14">
-          <p:sp>
-            <p:nvSpPr>
-              <p:cNvPr id="12" name="TextBox 11">
-                <a:extLst>
-                  <a:ext uri="{FF2B5EF4-FFF2-40B4-BE49-F238E27FC236}">
-                    <a16:creationId xmlns:a16="http://schemas.microsoft.com/office/drawing/2014/main" id="{5EEEA156-3C1C-C945-A147-3E1A9AB861EC}"/>
-                  </a:ext>
-                </a:extLst>
-              </p:cNvPr>
-              <p:cNvSpPr txBox="1"/>
-              <p:nvPr/>
-            </p:nvSpPr>
-            <p:spPr>
-              <a:xfrm>
-                <a:off x="8209818" y="2811396"/>
-                <a:ext cx="733791" cy="276999"/>
-              </a:xfrm>
-              <a:prstGeom prst="rect">
-                <a:avLst/>
-              </a:prstGeom>
-              <a:noFill/>
-            </p:spPr>
-            <p:txBody>
-              <a:bodyPr wrap="square" lIns="0" tIns="0" rIns="0" bIns="0" rtlCol="0">
-                <a:spAutoFit/>
-              </a:bodyPr>
-              <a:lstStyle/>
-              <a:p>
-                <a:pPr/>
-                <a14:m>
-                  <m:oMathPara xmlns:m="http://schemas.openxmlformats.org/officeDocument/2006/math">
-                    <m:oMathParaPr>
-                      <m:jc m:val="centerGroup"/>
-                    </m:oMathParaPr>
-                    <m:oMath xmlns:m="http://schemas.openxmlformats.org/officeDocument/2006/math">
-                      <m:sSub>
-                        <m:sSubPr>
-                          <m:ctrlPr>
-                            <a:rPr lang="it-IT" i="1" smtClean="0">
-                              <a:latin typeface="Cambria Math" panose="02040503050406030204" pitchFamily="18" charset="0"/>
-                            </a:rPr>
-                          </m:ctrlPr>
-                        </m:sSubPr>
-                        <m:e>
-                          <m:r>
-                            <a:rPr lang="en-GB" b="0" i="1" smtClean="0">
-                              <a:latin typeface="Cambria Math" panose="02040503050406030204" pitchFamily="18" charset="0"/>
-                            </a:rPr>
-                            <m:t>𝑦</m:t>
-                          </m:r>
-                        </m:e>
-                        <m:sub>
-                          <m:r>
-                            <a:rPr lang="en-GB" b="0" i="1" smtClean="0">
-                              <a:latin typeface="Cambria Math" panose="02040503050406030204" pitchFamily="18" charset="0"/>
-                            </a:rPr>
-                            <m:t>𝑖</m:t>
-                          </m:r>
-                        </m:sub>
-                      </m:sSub>
-                      <m:r>
-                        <a:rPr lang="it-IT" i="1">
-                          <a:latin typeface="Cambria Math" panose="02040503050406030204" pitchFamily="18" charset="0"/>
-                        </a:rPr>
-                        <m:t>−</m:t>
-                      </m:r>
-                      <m:sSub>
-                        <m:sSubPr>
-                          <m:ctrlPr>
-                            <a:rPr lang="it-IT" i="1">
-                              <a:latin typeface="Cambria Math" panose="02040503050406030204" pitchFamily="18" charset="0"/>
-                            </a:rPr>
-                          </m:ctrlPr>
-                        </m:sSubPr>
-                        <m:e>
-                          <m:acc>
-                            <m:accPr>
-                              <m:chr m:val="̅"/>
-                              <m:ctrlPr>
-                                <a:rPr lang="it-IT" i="1" smtClean="0">
-                                  <a:latin typeface="Cambria Math" panose="02040503050406030204" pitchFamily="18" charset="0"/>
-                                </a:rPr>
-                              </m:ctrlPr>
-                            </m:accPr>
-                            <m:e>
-                              <m:r>
-                                <a:rPr lang="en-GB" b="0" i="1" smtClean="0">
-                                  <a:latin typeface="Cambria Math" panose="02040503050406030204" pitchFamily="18" charset="0"/>
-                                </a:rPr>
-                                <m:t>𝑦</m:t>
-                              </m:r>
-                            </m:e>
-                          </m:acc>
-                        </m:e>
-                        <m:sub>
-                          <m:r>
-                            <a:rPr lang="it-IT" i="1">
-                              <a:latin typeface="Cambria Math" panose="02040503050406030204" pitchFamily="18" charset="0"/>
-                            </a:rPr>
-                            <m:t>𝑖</m:t>
-                          </m:r>
-                        </m:sub>
-                      </m:sSub>
-                    </m:oMath>
-                  </m:oMathPara>
-                </a14:m>
-                <a:endParaRPr lang="en-GB" dirty="0"/>
-              </a:p>
-            </p:txBody>
-          </p:sp>
-        </mc:Choice>
-        <mc:Fallback xmlns="">
-          <p:sp>
-            <p:nvSpPr>
-              <p:cNvPr id="12" name="TextBox 11">
-                <a:extLst>
-                  <a:ext uri="{FF2B5EF4-FFF2-40B4-BE49-F238E27FC236}">
-                    <a16:creationId xmlns:a16="http://schemas.microsoft.com/office/drawing/2014/main" id="{5EEEA156-3C1C-C945-A147-3E1A9AB861EC}"/>
-                  </a:ext>
-                </a:extLst>
-              </p:cNvPr>
-              <p:cNvSpPr txBox="1">
-                <a:spLocks noRot="1" noChangeAspect="1" noMove="1" noResize="1" noEditPoints="1" noAdjustHandles="1" noChangeArrowheads="1" noChangeShapeType="1" noTextEdit="1"/>
-              </p:cNvSpPr>
-              <p:nvPr/>
-            </p:nvSpPr>
-            <p:spPr>
-              <a:xfrm>
-                <a:off x="8209818" y="2811396"/>
-                <a:ext cx="733791" cy="276999"/>
-              </a:xfrm>
-              <a:prstGeom prst="rect">
-                <a:avLst/>
-              </a:prstGeom>
-              <a:blipFill>
-                <a:blip r:embed="rId6"/>
-                <a:stretch>
-                  <a:fillRect l="-6667" r="-33333" b="-26087"/>
-                </a:stretch>
-              </a:blipFill>
-            </p:spPr>
-            <p:txBody>
-              <a:bodyPr/>
-              <a:lstStyle/>
-              <a:p>
-                <a:r>
-                  <a:rPr lang="en-GB">
-                    <a:noFill/>
-                  </a:rPr>
-                  <a:t> </a:t>
-                </a:r>
-              </a:p>
-            </p:txBody>
-          </p:sp>
-        </mc:Fallback>
-      </mc:AlternateContent>
-      <p:cxnSp>
-        <p:nvCxnSpPr>
-          <p:cNvPr id="13" name="Straight Arrow Connector 12">
-            <a:extLst>
-              <a:ext uri="{FF2B5EF4-FFF2-40B4-BE49-F238E27FC236}">
-                <a16:creationId xmlns:a16="http://schemas.microsoft.com/office/drawing/2014/main" id="{AC3C9D0F-FDB7-CB6E-D3BB-845D554423A6}"/>
-              </a:ext>
-            </a:extLst>
-          </p:cNvPr>
-          <p:cNvCxnSpPr>
-            <a:cxnSpLocks/>
-          </p:cNvCxnSpPr>
-          <p:nvPr/>
-        </p:nvCxnSpPr>
-        <p:spPr>
-          <a:xfrm>
-            <a:off x="7455157" y="2180839"/>
-            <a:ext cx="0" cy="692990"/>
-          </a:xfrm>
-          <a:prstGeom prst="straightConnector1">
-            <a:avLst/>
-          </a:prstGeom>
-          <a:ln>
-            <a:solidFill>
-              <a:schemeClr val="tx1"/>
-            </a:solidFill>
-            <a:headEnd type="triangle"/>
-            <a:tailEnd type="triangle"/>
-          </a:ln>
-        </p:spPr>
-        <p:style>
-          <a:lnRef idx="1">
-            <a:schemeClr val="accent1"/>
-          </a:lnRef>
-          <a:fillRef idx="0">
-            <a:schemeClr val="accent1"/>
-          </a:fillRef>
-          <a:effectRef idx="0">
-            <a:schemeClr val="accent1"/>
-          </a:effectRef>
-          <a:fontRef idx="minor">
-            <a:schemeClr val="tx1"/>
-          </a:fontRef>
-        </p:style>
-      </p:cxnSp>
-      <mc:AlternateContent xmlns:mc="http://schemas.openxmlformats.org/markup-compatibility/2006" xmlns:a14="http://schemas.microsoft.com/office/drawing/2010/main">
-        <mc:Choice Requires="a14">
-          <p:sp>
-            <p:nvSpPr>
-              <p:cNvPr id="15" name="TextBox 14">
-                <a:extLst>
-                  <a:ext uri="{FF2B5EF4-FFF2-40B4-BE49-F238E27FC236}">
-                    <a16:creationId xmlns:a16="http://schemas.microsoft.com/office/drawing/2014/main" id="{45F72ED0-FDDA-051C-1DEC-2EBE49586056}"/>
-                  </a:ext>
-                </a:extLst>
-              </p:cNvPr>
-              <p:cNvSpPr txBox="1"/>
-              <p:nvPr/>
-            </p:nvSpPr>
-            <p:spPr>
-              <a:xfrm>
-                <a:off x="6666503" y="2388834"/>
-                <a:ext cx="733791" cy="276999"/>
-              </a:xfrm>
-              <a:prstGeom prst="rect">
-                <a:avLst/>
-              </a:prstGeom>
-              <a:noFill/>
-            </p:spPr>
-            <p:txBody>
-              <a:bodyPr wrap="none" lIns="0" tIns="0" rIns="0" bIns="0" rtlCol="0">
-                <a:spAutoFit/>
-              </a:bodyPr>
-              <a:lstStyle/>
-              <a:p>
-                <a:pPr/>
-                <a14:m>
-                  <m:oMathPara xmlns:m="http://schemas.openxmlformats.org/officeDocument/2006/math">
-                    <m:oMathParaPr>
-                      <m:jc m:val="centerGroup"/>
-                    </m:oMathParaPr>
-                    <m:oMath xmlns:m="http://schemas.openxmlformats.org/officeDocument/2006/math">
-                      <m:sSub>
-                        <m:sSubPr>
-                          <m:ctrlPr>
-                            <a:rPr lang="it-IT" i="1" smtClean="0">
-                              <a:latin typeface="Cambria Math" panose="02040503050406030204" pitchFamily="18" charset="0"/>
-                            </a:rPr>
-                          </m:ctrlPr>
-                        </m:sSubPr>
-                        <m:e>
-                          <m:r>
-                            <a:rPr lang="en-GB" b="0" i="1" smtClean="0">
-                              <a:latin typeface="Cambria Math" panose="02040503050406030204" pitchFamily="18" charset="0"/>
-                            </a:rPr>
-                            <m:t>𝑦</m:t>
-                          </m:r>
-                        </m:e>
-                        <m:sub>
-                          <m:r>
-                            <a:rPr lang="en-GB" b="0" i="1" smtClean="0">
-                              <a:latin typeface="Cambria Math" panose="02040503050406030204" pitchFamily="18" charset="0"/>
-                            </a:rPr>
-                            <m:t>𝑖</m:t>
-                          </m:r>
-                        </m:sub>
-                      </m:sSub>
-                      <m:r>
-                        <a:rPr lang="it-IT" i="1">
-                          <a:latin typeface="Cambria Math" panose="02040503050406030204" pitchFamily="18" charset="0"/>
-                        </a:rPr>
-                        <m:t>−</m:t>
-                      </m:r>
-                      <m:sSub>
-                        <m:sSubPr>
-                          <m:ctrlPr>
-                            <a:rPr lang="it-IT" i="1">
-                              <a:latin typeface="Cambria Math" panose="02040503050406030204" pitchFamily="18" charset="0"/>
-                            </a:rPr>
-                          </m:ctrlPr>
-                        </m:sSubPr>
-                        <m:e>
-                          <m:r>
-                            <a:rPr lang="it-IT" i="1">
-                              <a:latin typeface="Cambria Math" panose="02040503050406030204" pitchFamily="18" charset="0"/>
-                            </a:rPr>
-                            <m:t>ŷ</m:t>
-                          </m:r>
-                        </m:e>
-                        <m:sub>
-                          <m:r>
-                            <a:rPr lang="it-IT" i="1">
-                              <a:latin typeface="Cambria Math" panose="02040503050406030204" pitchFamily="18" charset="0"/>
-                            </a:rPr>
-                            <m:t>𝑖</m:t>
-                          </m:r>
-                        </m:sub>
-                      </m:sSub>
-                    </m:oMath>
-                  </m:oMathPara>
-                </a14:m>
-                <a:endParaRPr lang="en-GB" dirty="0"/>
-              </a:p>
-            </p:txBody>
-          </p:sp>
-        </mc:Choice>
-        <mc:Fallback xmlns="">
-          <p:sp>
-            <p:nvSpPr>
-              <p:cNvPr id="15" name="TextBox 14">
-                <a:extLst>
-                  <a:ext uri="{FF2B5EF4-FFF2-40B4-BE49-F238E27FC236}">
-                    <a16:creationId xmlns:a16="http://schemas.microsoft.com/office/drawing/2014/main" id="{45F72ED0-FDDA-051C-1DEC-2EBE49586056}"/>
-                  </a:ext>
-                </a:extLst>
-              </p:cNvPr>
-              <p:cNvSpPr txBox="1">
-                <a:spLocks noRot="1" noChangeAspect="1" noMove="1" noResize="1" noEditPoints="1" noAdjustHandles="1" noChangeArrowheads="1" noChangeShapeType="1" noTextEdit="1"/>
-              </p:cNvSpPr>
-              <p:nvPr/>
-            </p:nvSpPr>
-            <p:spPr>
-              <a:xfrm>
-                <a:off x="6666503" y="2388834"/>
-                <a:ext cx="733791" cy="276999"/>
-              </a:xfrm>
-              <a:prstGeom prst="rect">
-                <a:avLst/>
-              </a:prstGeom>
-              <a:blipFill>
-                <a:blip r:embed="rId7"/>
-                <a:stretch>
-                  <a:fillRect l="-6667" r="-1667" b="-37778"/>
-                </a:stretch>
-              </a:blipFill>
-            </p:spPr>
-            <p:txBody>
-              <a:bodyPr/>
-              <a:lstStyle/>
-              <a:p>
-                <a:r>
-                  <a:rPr lang="en-GB">
-                    <a:noFill/>
-                  </a:rPr>
-                  <a:t> </a:t>
-                </a:r>
-              </a:p>
-            </p:txBody>
-          </p:sp>
-        </mc:Fallback>
-      </mc:AlternateContent>
-    </p:spTree>
-    <p:extLst>
-      <p:ext uri="{BB962C8B-B14F-4D97-AF65-F5344CB8AC3E}">
-        <p14:creationId xmlns:p14="http://schemas.microsoft.com/office/powerpoint/2010/main" val="4127915803"/>
-      </p:ext>
-    </p:extLst>
-  </p:cSld>
-  <p:clrMapOvr>
-    <a:masterClrMapping/>
-  </p:clrMapOvr>
-</p:sld>
-</file>
-
-<file path=ppt/slides/slide12.xml><?xml version="1.0" encoding="utf-8"?>
-<p:sld xmlns:a="http://schemas.openxmlformats.org/drawingml/2006/main" xmlns:r="http://schemas.openxmlformats.org/officeDocument/2006/relationships" xmlns:p="http://schemas.openxmlformats.org/presentationml/2006/main">
-  <p:cSld>
-    <p:spTree>
-      <p:nvGrpSpPr>
-        <p:cNvPr id="1" name=""/>
-        <p:cNvGrpSpPr/>
-        <p:nvPr/>
-      </p:nvGrpSpPr>
-      <p:grpSpPr>
-        <a:xfrm>
-          <a:off x="0" y="0"/>
-          <a:ext cx="0" cy="0"/>
-          <a:chOff x="0" y="0"/>
-          <a:chExt cx="0" cy="0"/>
-        </a:xfrm>
-      </p:grpSpPr>
-      <p:sp>
-        <p:nvSpPr>
-          <p:cNvPr id="4" name="Title 1">
-            <a:extLst>
-              <a:ext uri="{FF2B5EF4-FFF2-40B4-BE49-F238E27FC236}">
-                <a16:creationId xmlns:a16="http://schemas.microsoft.com/office/drawing/2014/main" id="{295E7A4D-85E5-E276-AA43-EA0DE60FCFC1}"/>
-              </a:ext>
-            </a:extLst>
-          </p:cNvPr>
-          <p:cNvSpPr txBox="1">
-            <a:spLocks/>
-          </p:cNvSpPr>
-          <p:nvPr/>
-        </p:nvSpPr>
-        <p:spPr>
-          <a:xfrm>
-            <a:off x="337035" y="279919"/>
-            <a:ext cx="11517929" cy="1502228"/>
-          </a:xfrm>
-          <a:prstGeom prst="rect">
-            <a:avLst/>
-          </a:prstGeom>
         </p:spPr>
         <p:txBody>
-          <a:bodyPr vert="horz" lIns="91440" tIns="45720" rIns="91440" bIns="45720" rtlCol="0" anchor="ctr">
-            <a:normAutofit/>
+          <a:bodyPr wrap="square">
+            <a:spAutoFit/>
           </a:bodyPr>
-          <a:lstStyle>
-            <a:lvl1pPr algn="l" defTabSz="914400" rtl="0" eaLnBrk="1" latinLnBrk="0" hangingPunct="1">
-              <a:lnSpc>
-                <a:spcPct val="90000"/>
-              </a:lnSpc>
-              <a:spcBef>
-                <a:spcPct val="0"/>
-              </a:spcBef>
-              <a:buNone/>
-              <a:defRPr sz="4400" kern="1200">
-                <a:solidFill>
-                  <a:schemeClr val="tx1"/>
-                </a:solidFill>
-                <a:latin typeface="+mj-lt"/>
-                <a:ea typeface="+mj-ea"/>
-                <a:cs typeface="+mj-cs"/>
-              </a:defRPr>
-            </a:lvl1pPr>
-          </a:lstStyle>
+          <a:lstStyle/>
           <a:p>
             <a:r>
-              <a:rPr lang="en-GB" sz="2400" b="1" dirty="0">
+              <a:rPr lang="en-GB" sz="1800" b="1" dirty="0">
                 <a:latin typeface="+mn-lt"/>
               </a:rPr>
-              <a:t>Dummy variables</a:t>
+              <a:t>Model evaluation</a:t>
             </a:r>
-          </a:p>
-          <a:p>
-            <a:r>
-              <a:rPr lang="en-GB" sz="1800" dirty="0">
-                <a:latin typeface="+mn-lt"/>
-              </a:rPr>
-              <a:t>A dummy variable is an explanatory variable that equals </a:t>
-            </a:r>
-          </a:p>
-          <a:p>
-            <a:r>
-              <a:rPr lang="en-GB" sz="1800" dirty="0">
-                <a:latin typeface="+mn-lt"/>
-              </a:rPr>
-              <a:t>1 if a certain categorical effect is present</a:t>
-            </a:r>
-          </a:p>
-          <a:p>
-            <a:r>
-              <a:rPr lang="en-GB" sz="1800" dirty="0">
-                <a:latin typeface="+mn-lt"/>
-              </a:rPr>
-              <a:t>0 if the effect </a:t>
-            </a:r>
-            <a:r>
-              <a:rPr lang="en-GB" sz="1800">
-                <a:latin typeface="+mn-lt"/>
-              </a:rPr>
-              <a:t>is absent</a:t>
-            </a:r>
-            <a:endParaRPr lang="en-GB" sz="1800" dirty="0">
-              <a:latin typeface="+mn-lt"/>
-            </a:endParaRPr>
           </a:p>
         </p:txBody>
       </p:sp>
     </p:spTree>
     <p:extLst>
       <p:ext uri="{BB962C8B-B14F-4D97-AF65-F5344CB8AC3E}">
-        <p14:creationId xmlns:p14="http://schemas.microsoft.com/office/powerpoint/2010/main" val="2977883890"/>
+        <p14:creationId xmlns:p14="http://schemas.microsoft.com/office/powerpoint/2010/main" val="4127915803"/>
       </p:ext>
     </p:extLst>
   </p:cSld>
@@ -9882,961 +9820,8 @@
           <a:chExt cx="0" cy="0"/>
         </a:xfrm>
       </p:grpSpPr>
-      <p:sp>
-        <p:nvSpPr>
-          <p:cNvPr id="4" name="Oval 3">
-            <a:extLst>
-              <a:ext uri="{FF2B5EF4-FFF2-40B4-BE49-F238E27FC236}">
-                <a16:creationId xmlns:a16="http://schemas.microsoft.com/office/drawing/2014/main" id="{F143BB33-7BED-4918-86CE-320BDE315AEF}"/>
-              </a:ext>
-            </a:extLst>
-          </p:cNvPr>
-          <p:cNvSpPr/>
-          <p:nvPr/>
-        </p:nvSpPr>
-        <p:spPr>
-          <a:xfrm>
-            <a:off x="2397968" y="5259355"/>
-            <a:ext cx="149289" cy="149289"/>
-          </a:xfrm>
-          <a:prstGeom prst="ellipse">
-            <a:avLst/>
-          </a:prstGeom>
-        </p:spPr>
-        <p:style>
-          <a:lnRef idx="2">
-            <a:schemeClr val="accent1">
-              <a:shade val="50000"/>
-            </a:schemeClr>
-          </a:lnRef>
-          <a:fillRef idx="1">
-            <a:schemeClr val="accent1"/>
-          </a:fillRef>
-          <a:effectRef idx="0">
-            <a:schemeClr val="accent1"/>
-          </a:effectRef>
-          <a:fontRef idx="minor">
-            <a:schemeClr val="lt1"/>
-          </a:fontRef>
-        </p:style>
-        <p:txBody>
-          <a:bodyPr rtlCol="0" anchor="ctr"/>
-          <a:lstStyle/>
-          <a:p>
-            <a:pPr algn="ctr"/>
-            <a:endParaRPr lang="en-GB"/>
-          </a:p>
-        </p:txBody>
-      </p:sp>
-      <p:sp>
-        <p:nvSpPr>
-          <p:cNvPr id="5" name="Oval 4">
-            <a:extLst>
-              <a:ext uri="{FF2B5EF4-FFF2-40B4-BE49-F238E27FC236}">
-                <a16:creationId xmlns:a16="http://schemas.microsoft.com/office/drawing/2014/main" id="{3A591B9A-0D6E-45DA-B393-578129F52734}"/>
-              </a:ext>
-            </a:extLst>
-          </p:cNvPr>
-          <p:cNvSpPr/>
-          <p:nvPr/>
-        </p:nvSpPr>
-        <p:spPr>
-          <a:xfrm>
-            <a:off x="3620275" y="3949957"/>
-            <a:ext cx="149289" cy="149289"/>
-          </a:xfrm>
-          <a:prstGeom prst="ellipse">
-            <a:avLst/>
-          </a:prstGeom>
-        </p:spPr>
-        <p:style>
-          <a:lnRef idx="2">
-            <a:schemeClr val="accent1">
-              <a:shade val="50000"/>
-            </a:schemeClr>
-          </a:lnRef>
-          <a:fillRef idx="1">
-            <a:schemeClr val="accent1"/>
-          </a:fillRef>
-          <a:effectRef idx="0">
-            <a:schemeClr val="accent1"/>
-          </a:effectRef>
-          <a:fontRef idx="minor">
-            <a:schemeClr val="lt1"/>
-          </a:fontRef>
-        </p:style>
-        <p:txBody>
-          <a:bodyPr rtlCol="0" anchor="ctr"/>
-          <a:lstStyle/>
-          <a:p>
-            <a:pPr algn="ctr"/>
-            <a:endParaRPr lang="en-GB"/>
-          </a:p>
-        </p:txBody>
-      </p:sp>
-      <p:sp>
-        <p:nvSpPr>
-          <p:cNvPr id="6" name="Oval 5">
-            <a:extLst>
-              <a:ext uri="{FF2B5EF4-FFF2-40B4-BE49-F238E27FC236}">
-                <a16:creationId xmlns:a16="http://schemas.microsoft.com/office/drawing/2014/main" id="{658310B0-1375-47C4-9CFD-63E98867E886}"/>
-              </a:ext>
-            </a:extLst>
-          </p:cNvPr>
-          <p:cNvSpPr/>
-          <p:nvPr/>
-        </p:nvSpPr>
-        <p:spPr>
-          <a:xfrm>
-            <a:off x="6220407" y="3107094"/>
-            <a:ext cx="149289" cy="149289"/>
-          </a:xfrm>
-          <a:prstGeom prst="ellipse">
-            <a:avLst/>
-          </a:prstGeom>
-        </p:spPr>
-        <p:style>
-          <a:lnRef idx="2">
-            <a:schemeClr val="accent1">
-              <a:shade val="50000"/>
-            </a:schemeClr>
-          </a:lnRef>
-          <a:fillRef idx="1">
-            <a:schemeClr val="accent1"/>
-          </a:fillRef>
-          <a:effectRef idx="0">
-            <a:schemeClr val="accent1"/>
-          </a:effectRef>
-          <a:fontRef idx="minor">
-            <a:schemeClr val="lt1"/>
-          </a:fontRef>
-        </p:style>
-        <p:txBody>
-          <a:bodyPr rtlCol="0" anchor="ctr"/>
-          <a:lstStyle/>
-          <a:p>
-            <a:pPr algn="ctr"/>
-            <a:endParaRPr lang="en-GB"/>
-          </a:p>
-        </p:txBody>
-      </p:sp>
-      <p:sp>
-        <p:nvSpPr>
-          <p:cNvPr id="7" name="Oval 6">
-            <a:extLst>
-              <a:ext uri="{FF2B5EF4-FFF2-40B4-BE49-F238E27FC236}">
-                <a16:creationId xmlns:a16="http://schemas.microsoft.com/office/drawing/2014/main" id="{8760BD17-07F1-4CBD-B7FA-56CC9111F2EF}"/>
-              </a:ext>
-            </a:extLst>
-          </p:cNvPr>
-          <p:cNvSpPr/>
-          <p:nvPr/>
-        </p:nvSpPr>
-        <p:spPr>
-          <a:xfrm>
-            <a:off x="3259494" y="5819191"/>
-            <a:ext cx="149289" cy="149289"/>
-          </a:xfrm>
-          <a:prstGeom prst="ellipse">
-            <a:avLst/>
-          </a:prstGeom>
-        </p:spPr>
-        <p:style>
-          <a:lnRef idx="2">
-            <a:schemeClr val="accent1">
-              <a:shade val="50000"/>
-            </a:schemeClr>
-          </a:lnRef>
-          <a:fillRef idx="1">
-            <a:schemeClr val="accent1"/>
-          </a:fillRef>
-          <a:effectRef idx="0">
-            <a:schemeClr val="accent1"/>
-          </a:effectRef>
-          <a:fontRef idx="minor">
-            <a:schemeClr val="lt1"/>
-          </a:fontRef>
-        </p:style>
-        <p:txBody>
-          <a:bodyPr rtlCol="0" anchor="ctr"/>
-          <a:lstStyle/>
-          <a:p>
-            <a:pPr algn="ctr"/>
-            <a:endParaRPr lang="en-GB"/>
-          </a:p>
-        </p:txBody>
-      </p:sp>
-      <p:sp>
-        <p:nvSpPr>
-          <p:cNvPr id="8" name="Oval 7">
-            <a:extLst>
-              <a:ext uri="{FF2B5EF4-FFF2-40B4-BE49-F238E27FC236}">
-                <a16:creationId xmlns:a16="http://schemas.microsoft.com/office/drawing/2014/main" id="{D955FD09-0919-49E5-A028-824E7E235C0B}"/>
-              </a:ext>
-            </a:extLst>
-          </p:cNvPr>
-          <p:cNvSpPr/>
-          <p:nvPr/>
-        </p:nvSpPr>
-        <p:spPr>
-          <a:xfrm>
-            <a:off x="2984238" y="5184710"/>
-            <a:ext cx="149289" cy="149289"/>
-          </a:xfrm>
-          <a:prstGeom prst="ellipse">
-            <a:avLst/>
-          </a:prstGeom>
-        </p:spPr>
-        <p:style>
-          <a:lnRef idx="2">
-            <a:schemeClr val="accent1">
-              <a:shade val="50000"/>
-            </a:schemeClr>
-          </a:lnRef>
-          <a:fillRef idx="1">
-            <a:schemeClr val="accent1"/>
-          </a:fillRef>
-          <a:effectRef idx="0">
-            <a:schemeClr val="accent1"/>
-          </a:effectRef>
-          <a:fontRef idx="minor">
-            <a:schemeClr val="lt1"/>
-          </a:fontRef>
-        </p:style>
-        <p:txBody>
-          <a:bodyPr rtlCol="0" anchor="ctr"/>
-          <a:lstStyle/>
-          <a:p>
-            <a:pPr algn="ctr"/>
-            <a:endParaRPr lang="en-GB"/>
-          </a:p>
-        </p:txBody>
-      </p:sp>
-      <p:sp>
-        <p:nvSpPr>
-          <p:cNvPr id="9" name="Oval 8">
-            <a:extLst>
-              <a:ext uri="{FF2B5EF4-FFF2-40B4-BE49-F238E27FC236}">
-                <a16:creationId xmlns:a16="http://schemas.microsoft.com/office/drawing/2014/main" id="{28F930FD-56CE-4DDB-9320-8ED0E79D3C32}"/>
-              </a:ext>
-            </a:extLst>
-          </p:cNvPr>
-          <p:cNvSpPr/>
-          <p:nvPr/>
-        </p:nvSpPr>
-        <p:spPr>
-          <a:xfrm>
-            <a:off x="3865983" y="5669902"/>
-            <a:ext cx="149289" cy="149289"/>
-          </a:xfrm>
-          <a:prstGeom prst="ellipse">
-            <a:avLst/>
-          </a:prstGeom>
-        </p:spPr>
-        <p:style>
-          <a:lnRef idx="2">
-            <a:schemeClr val="accent1">
-              <a:shade val="50000"/>
-            </a:schemeClr>
-          </a:lnRef>
-          <a:fillRef idx="1">
-            <a:schemeClr val="accent1"/>
-          </a:fillRef>
-          <a:effectRef idx="0">
-            <a:schemeClr val="accent1"/>
-          </a:effectRef>
-          <a:fontRef idx="minor">
-            <a:schemeClr val="lt1"/>
-          </a:fontRef>
-        </p:style>
-        <p:txBody>
-          <a:bodyPr rtlCol="0" anchor="ctr"/>
-          <a:lstStyle/>
-          <a:p>
-            <a:pPr algn="ctr"/>
-            <a:endParaRPr lang="en-GB"/>
-          </a:p>
-        </p:txBody>
-      </p:sp>
-      <p:sp>
-        <p:nvSpPr>
-          <p:cNvPr id="10" name="Oval 9">
-            <a:extLst>
-              <a:ext uri="{FF2B5EF4-FFF2-40B4-BE49-F238E27FC236}">
-                <a16:creationId xmlns:a16="http://schemas.microsoft.com/office/drawing/2014/main" id="{A51F8D0F-D2CD-401C-871B-25A421871E13}"/>
-              </a:ext>
-            </a:extLst>
-          </p:cNvPr>
-          <p:cNvSpPr/>
-          <p:nvPr/>
-        </p:nvSpPr>
-        <p:spPr>
-          <a:xfrm>
-            <a:off x="4416488" y="4173893"/>
-            <a:ext cx="149289" cy="149289"/>
-          </a:xfrm>
-          <a:prstGeom prst="ellipse">
-            <a:avLst/>
-          </a:prstGeom>
-        </p:spPr>
-        <p:style>
-          <a:lnRef idx="2">
-            <a:schemeClr val="accent1">
-              <a:shade val="50000"/>
-            </a:schemeClr>
-          </a:lnRef>
-          <a:fillRef idx="1">
-            <a:schemeClr val="accent1"/>
-          </a:fillRef>
-          <a:effectRef idx="0">
-            <a:schemeClr val="accent1"/>
-          </a:effectRef>
-          <a:fontRef idx="minor">
-            <a:schemeClr val="lt1"/>
-          </a:fontRef>
-        </p:style>
-        <p:txBody>
-          <a:bodyPr rtlCol="0" anchor="ctr"/>
-          <a:lstStyle/>
-          <a:p>
-            <a:pPr algn="ctr"/>
-            <a:endParaRPr lang="en-GB"/>
-          </a:p>
-        </p:txBody>
-      </p:sp>
-      <p:sp>
-        <p:nvSpPr>
-          <p:cNvPr id="11" name="Oval 10">
-            <a:extLst>
-              <a:ext uri="{FF2B5EF4-FFF2-40B4-BE49-F238E27FC236}">
-                <a16:creationId xmlns:a16="http://schemas.microsoft.com/office/drawing/2014/main" id="{CE0AA3C0-03CE-444E-B845-B73013E40EEF}"/>
-              </a:ext>
-            </a:extLst>
-          </p:cNvPr>
-          <p:cNvSpPr/>
-          <p:nvPr/>
-        </p:nvSpPr>
-        <p:spPr>
-          <a:xfrm>
-            <a:off x="3582950" y="5156720"/>
-            <a:ext cx="149289" cy="149289"/>
-          </a:xfrm>
-          <a:prstGeom prst="ellipse">
-            <a:avLst/>
-          </a:prstGeom>
-        </p:spPr>
-        <p:style>
-          <a:lnRef idx="2">
-            <a:schemeClr val="accent1">
-              <a:shade val="50000"/>
-            </a:schemeClr>
-          </a:lnRef>
-          <a:fillRef idx="1">
-            <a:schemeClr val="accent1"/>
-          </a:fillRef>
-          <a:effectRef idx="0">
-            <a:schemeClr val="accent1"/>
-          </a:effectRef>
-          <a:fontRef idx="minor">
-            <a:schemeClr val="lt1"/>
-          </a:fontRef>
-        </p:style>
-        <p:txBody>
-          <a:bodyPr rtlCol="0" anchor="ctr"/>
-          <a:lstStyle/>
-          <a:p>
-            <a:pPr algn="ctr"/>
-            <a:endParaRPr lang="en-GB"/>
-          </a:p>
-        </p:txBody>
-      </p:sp>
-      <p:sp>
-        <p:nvSpPr>
-          <p:cNvPr id="12" name="Oval 11">
-            <a:extLst>
-              <a:ext uri="{FF2B5EF4-FFF2-40B4-BE49-F238E27FC236}">
-                <a16:creationId xmlns:a16="http://schemas.microsoft.com/office/drawing/2014/main" id="{1FF7D3D7-F02E-45B8-9329-B395BA73D1BD}"/>
-              </a:ext>
-            </a:extLst>
-          </p:cNvPr>
-          <p:cNvSpPr/>
-          <p:nvPr/>
-        </p:nvSpPr>
-        <p:spPr>
-          <a:xfrm>
-            <a:off x="4323183" y="5306009"/>
-            <a:ext cx="149289" cy="149289"/>
-          </a:xfrm>
-          <a:prstGeom prst="ellipse">
-            <a:avLst/>
-          </a:prstGeom>
-        </p:spPr>
-        <p:style>
-          <a:lnRef idx="2">
-            <a:schemeClr val="accent1">
-              <a:shade val="50000"/>
-            </a:schemeClr>
-          </a:lnRef>
-          <a:fillRef idx="1">
-            <a:schemeClr val="accent1"/>
-          </a:fillRef>
-          <a:effectRef idx="0">
-            <a:schemeClr val="accent1"/>
-          </a:effectRef>
-          <a:fontRef idx="minor">
-            <a:schemeClr val="lt1"/>
-          </a:fontRef>
-        </p:style>
-        <p:txBody>
-          <a:bodyPr rtlCol="0" anchor="ctr"/>
-          <a:lstStyle/>
-          <a:p>
-            <a:pPr algn="ctr"/>
-            <a:endParaRPr lang="en-GB"/>
-          </a:p>
-        </p:txBody>
-      </p:sp>
-      <p:sp>
-        <p:nvSpPr>
-          <p:cNvPr id="13" name="Oval 12">
-            <a:extLst>
-              <a:ext uri="{FF2B5EF4-FFF2-40B4-BE49-F238E27FC236}">
-                <a16:creationId xmlns:a16="http://schemas.microsoft.com/office/drawing/2014/main" id="{001DC9D2-5309-409C-9442-ACD205E7860D}"/>
-              </a:ext>
-            </a:extLst>
-          </p:cNvPr>
-          <p:cNvSpPr/>
-          <p:nvPr/>
-        </p:nvSpPr>
-        <p:spPr>
-          <a:xfrm>
-            <a:off x="4015272" y="4590662"/>
-            <a:ext cx="149289" cy="149289"/>
-          </a:xfrm>
-          <a:prstGeom prst="ellipse">
-            <a:avLst/>
-          </a:prstGeom>
-        </p:spPr>
-        <p:style>
-          <a:lnRef idx="2">
-            <a:schemeClr val="accent1">
-              <a:shade val="50000"/>
-            </a:schemeClr>
-          </a:lnRef>
-          <a:fillRef idx="1">
-            <a:schemeClr val="accent1"/>
-          </a:fillRef>
-          <a:effectRef idx="0">
-            <a:schemeClr val="accent1"/>
-          </a:effectRef>
-          <a:fontRef idx="minor">
-            <a:schemeClr val="lt1"/>
-          </a:fontRef>
-        </p:style>
-        <p:txBody>
-          <a:bodyPr rtlCol="0" anchor="ctr"/>
-          <a:lstStyle/>
-          <a:p>
-            <a:pPr algn="ctr"/>
-            <a:endParaRPr lang="en-GB"/>
-          </a:p>
-        </p:txBody>
-      </p:sp>
-      <p:sp>
-        <p:nvSpPr>
-          <p:cNvPr id="14" name="Oval 13">
-            <a:extLst>
-              <a:ext uri="{FF2B5EF4-FFF2-40B4-BE49-F238E27FC236}">
-                <a16:creationId xmlns:a16="http://schemas.microsoft.com/office/drawing/2014/main" id="{B8F21E20-3428-4287-AB01-C7B2439B683D}"/>
-              </a:ext>
-            </a:extLst>
-          </p:cNvPr>
-          <p:cNvSpPr/>
-          <p:nvPr/>
-        </p:nvSpPr>
-        <p:spPr>
-          <a:xfrm>
-            <a:off x="5162939" y="4907900"/>
-            <a:ext cx="149289" cy="149289"/>
-          </a:xfrm>
-          <a:prstGeom prst="ellipse">
-            <a:avLst/>
-          </a:prstGeom>
-        </p:spPr>
-        <p:style>
-          <a:lnRef idx="2">
-            <a:schemeClr val="accent1">
-              <a:shade val="50000"/>
-            </a:schemeClr>
-          </a:lnRef>
-          <a:fillRef idx="1">
-            <a:schemeClr val="accent1"/>
-          </a:fillRef>
-          <a:effectRef idx="0">
-            <a:schemeClr val="accent1"/>
-          </a:effectRef>
-          <a:fontRef idx="minor">
-            <a:schemeClr val="lt1"/>
-          </a:fontRef>
-        </p:style>
-        <p:txBody>
-          <a:bodyPr rtlCol="0" anchor="ctr"/>
-          <a:lstStyle/>
-          <a:p>
-            <a:pPr algn="ctr"/>
-            <a:endParaRPr lang="en-GB"/>
-          </a:p>
-        </p:txBody>
-      </p:sp>
-      <p:sp>
-        <p:nvSpPr>
-          <p:cNvPr id="15" name="Oval 14">
-            <a:extLst>
-              <a:ext uri="{FF2B5EF4-FFF2-40B4-BE49-F238E27FC236}">
-                <a16:creationId xmlns:a16="http://schemas.microsoft.com/office/drawing/2014/main" id="{EB567F41-BE2E-4A03-89A9-D680335EC080}"/>
-              </a:ext>
-            </a:extLst>
-          </p:cNvPr>
-          <p:cNvSpPr/>
-          <p:nvPr/>
-        </p:nvSpPr>
-        <p:spPr>
-          <a:xfrm>
-            <a:off x="5741435" y="4503574"/>
-            <a:ext cx="149289" cy="149289"/>
-          </a:xfrm>
-          <a:prstGeom prst="ellipse">
-            <a:avLst/>
-          </a:prstGeom>
-        </p:spPr>
-        <p:style>
-          <a:lnRef idx="2">
-            <a:schemeClr val="accent1">
-              <a:shade val="50000"/>
-            </a:schemeClr>
-          </a:lnRef>
-          <a:fillRef idx="1">
-            <a:schemeClr val="accent1"/>
-          </a:fillRef>
-          <a:effectRef idx="0">
-            <a:schemeClr val="accent1"/>
-          </a:effectRef>
-          <a:fontRef idx="minor">
-            <a:schemeClr val="lt1"/>
-          </a:fontRef>
-        </p:style>
-        <p:txBody>
-          <a:bodyPr rtlCol="0" anchor="ctr"/>
-          <a:lstStyle/>
-          <a:p>
-            <a:pPr algn="ctr"/>
-            <a:endParaRPr lang="en-GB"/>
-          </a:p>
-        </p:txBody>
-      </p:sp>
-      <p:cxnSp>
-        <p:nvCxnSpPr>
-          <p:cNvPr id="17" name="Straight Connector 16">
-            <a:extLst>
-              <a:ext uri="{FF2B5EF4-FFF2-40B4-BE49-F238E27FC236}">
-                <a16:creationId xmlns:a16="http://schemas.microsoft.com/office/drawing/2014/main" id="{DE3990C4-294B-4552-AF6B-4F67B793D6FF}"/>
-              </a:ext>
-            </a:extLst>
-          </p:cNvPr>
-          <p:cNvCxnSpPr>
-            <a:cxnSpLocks/>
-          </p:cNvCxnSpPr>
-          <p:nvPr/>
-        </p:nvCxnSpPr>
-        <p:spPr>
-          <a:xfrm flipV="1">
-            <a:off x="2202024" y="3489649"/>
-            <a:ext cx="4683968" cy="2404186"/>
-          </a:xfrm>
-          <a:prstGeom prst="line">
-            <a:avLst/>
-          </a:prstGeom>
-          <a:ln w="38100">
-            <a:solidFill>
-              <a:srgbClr val="FF0000"/>
-            </a:solidFill>
-          </a:ln>
-        </p:spPr>
-        <p:style>
-          <a:lnRef idx="1">
-            <a:schemeClr val="accent1"/>
-          </a:lnRef>
-          <a:fillRef idx="0">
-            <a:schemeClr val="accent1"/>
-          </a:fillRef>
-          <a:effectRef idx="0">
-            <a:schemeClr val="accent1"/>
-          </a:effectRef>
-          <a:fontRef idx="minor">
-            <a:schemeClr val="tx1"/>
-          </a:fontRef>
-        </p:style>
-      </p:cxnSp>
-      <p:cxnSp>
-        <p:nvCxnSpPr>
-          <p:cNvPr id="21" name="Straight Connector 20">
-            <a:extLst>
-              <a:ext uri="{FF2B5EF4-FFF2-40B4-BE49-F238E27FC236}">
-                <a16:creationId xmlns:a16="http://schemas.microsoft.com/office/drawing/2014/main" id="{29EA3AC0-24BC-4A4B-AB94-467CA5013FD3}"/>
-              </a:ext>
-            </a:extLst>
-          </p:cNvPr>
-          <p:cNvCxnSpPr>
-            <a:stCxn id="15" idx="0"/>
-          </p:cNvCxnSpPr>
-          <p:nvPr/>
-        </p:nvCxnSpPr>
-        <p:spPr>
-          <a:xfrm flipH="1" flipV="1">
-            <a:off x="5816079" y="4024601"/>
-            <a:ext cx="1" cy="478973"/>
-          </a:xfrm>
-          <a:prstGeom prst="line">
-            <a:avLst/>
-          </a:prstGeom>
-          <a:ln w="28575">
-            <a:solidFill>
-              <a:srgbClr val="00B050"/>
-            </a:solidFill>
-            <a:prstDash val="dash"/>
-          </a:ln>
-        </p:spPr>
-        <p:style>
-          <a:lnRef idx="1">
-            <a:schemeClr val="accent1"/>
-          </a:lnRef>
-          <a:fillRef idx="0">
-            <a:schemeClr val="accent1"/>
-          </a:fillRef>
-          <a:effectRef idx="0">
-            <a:schemeClr val="accent1"/>
-          </a:effectRef>
-          <a:fontRef idx="minor">
-            <a:schemeClr val="tx1"/>
-          </a:fontRef>
-        </p:style>
-      </p:cxnSp>
-      <p:cxnSp>
-        <p:nvCxnSpPr>
-          <p:cNvPr id="22" name="Straight Connector 21">
-            <a:extLst>
-              <a:ext uri="{FF2B5EF4-FFF2-40B4-BE49-F238E27FC236}">
-                <a16:creationId xmlns:a16="http://schemas.microsoft.com/office/drawing/2014/main" id="{642CF785-DF2C-440C-96DD-FAD42387842B}"/>
-              </a:ext>
-            </a:extLst>
-          </p:cNvPr>
-          <p:cNvCxnSpPr/>
-          <p:nvPr/>
-        </p:nvCxnSpPr>
-        <p:spPr>
-          <a:xfrm flipH="1" flipV="1">
-            <a:off x="6295051" y="3250160"/>
-            <a:ext cx="1" cy="478973"/>
-          </a:xfrm>
-          <a:prstGeom prst="line">
-            <a:avLst/>
-          </a:prstGeom>
-          <a:ln w="28575">
-            <a:solidFill>
-              <a:srgbClr val="00B050"/>
-            </a:solidFill>
-            <a:prstDash val="dash"/>
-          </a:ln>
-        </p:spPr>
-        <p:style>
-          <a:lnRef idx="1">
-            <a:schemeClr val="accent1"/>
-          </a:lnRef>
-          <a:fillRef idx="0">
-            <a:schemeClr val="accent1"/>
-          </a:fillRef>
-          <a:effectRef idx="0">
-            <a:schemeClr val="accent1"/>
-          </a:effectRef>
-          <a:fontRef idx="minor">
-            <a:schemeClr val="tx1"/>
-          </a:fontRef>
-        </p:style>
-      </p:cxnSp>
-      <p:cxnSp>
-        <p:nvCxnSpPr>
-          <p:cNvPr id="24" name="Straight Connector 23">
-            <a:extLst>
-              <a:ext uri="{FF2B5EF4-FFF2-40B4-BE49-F238E27FC236}">
-                <a16:creationId xmlns:a16="http://schemas.microsoft.com/office/drawing/2014/main" id="{8675FAE9-9326-428C-B4E4-C467F5A4E97C}"/>
-              </a:ext>
-            </a:extLst>
-          </p:cNvPr>
-          <p:cNvCxnSpPr>
-            <a:stCxn id="6" idx="6"/>
-          </p:cNvCxnSpPr>
-          <p:nvPr/>
-        </p:nvCxnSpPr>
-        <p:spPr>
-          <a:xfrm flipV="1">
-            <a:off x="6369696" y="3181738"/>
-            <a:ext cx="1374712" cy="1"/>
-          </a:xfrm>
-          <a:prstGeom prst="line">
-            <a:avLst/>
-          </a:prstGeom>
-        </p:spPr>
-        <p:style>
-          <a:lnRef idx="1">
-            <a:schemeClr val="accent1"/>
-          </a:lnRef>
-          <a:fillRef idx="0">
-            <a:schemeClr val="accent1"/>
-          </a:fillRef>
-          <a:effectRef idx="0">
-            <a:schemeClr val="accent1"/>
-          </a:effectRef>
-          <a:fontRef idx="minor">
-            <a:schemeClr val="tx1"/>
-          </a:fontRef>
-        </p:style>
-      </p:cxnSp>
-      <p:cxnSp>
-        <p:nvCxnSpPr>
-          <p:cNvPr id="25" name="Straight Connector 24">
-            <a:extLst>
-              <a:ext uri="{FF2B5EF4-FFF2-40B4-BE49-F238E27FC236}">
-                <a16:creationId xmlns:a16="http://schemas.microsoft.com/office/drawing/2014/main" id="{89718A1E-0B4A-4BBC-92CB-DC7422CB4FDD}"/>
-              </a:ext>
-            </a:extLst>
-          </p:cNvPr>
-          <p:cNvCxnSpPr/>
-          <p:nvPr/>
-        </p:nvCxnSpPr>
-        <p:spPr>
-          <a:xfrm flipV="1">
-            <a:off x="6369696" y="3729133"/>
-            <a:ext cx="1374712" cy="1"/>
-          </a:xfrm>
-          <a:prstGeom prst="line">
-            <a:avLst/>
-          </a:prstGeom>
-        </p:spPr>
-        <p:style>
-          <a:lnRef idx="1">
-            <a:schemeClr val="accent1"/>
-          </a:lnRef>
-          <a:fillRef idx="0">
-            <a:schemeClr val="accent1"/>
-          </a:fillRef>
-          <a:effectRef idx="0">
-            <a:schemeClr val="accent1"/>
-          </a:effectRef>
-          <a:fontRef idx="minor">
-            <a:schemeClr val="tx1"/>
-          </a:fontRef>
-        </p:style>
-      </p:cxnSp>
-      <p:cxnSp>
-        <p:nvCxnSpPr>
-          <p:cNvPr id="27" name="Straight Arrow Connector 26">
-            <a:extLst>
-              <a:ext uri="{FF2B5EF4-FFF2-40B4-BE49-F238E27FC236}">
-                <a16:creationId xmlns:a16="http://schemas.microsoft.com/office/drawing/2014/main" id="{8BCD3BE6-58E5-4FC1-8D04-6796EC3CA6D0}"/>
-              </a:ext>
-            </a:extLst>
-          </p:cNvPr>
-          <p:cNvCxnSpPr/>
-          <p:nvPr/>
-        </p:nvCxnSpPr>
-        <p:spPr>
-          <a:xfrm>
-            <a:off x="7651102" y="3181738"/>
-            <a:ext cx="0" cy="547395"/>
-          </a:xfrm>
-          <a:prstGeom prst="straightConnector1">
-            <a:avLst/>
-          </a:prstGeom>
-          <a:ln>
-            <a:headEnd type="triangle"/>
-            <a:tailEnd type="triangle"/>
-          </a:ln>
-        </p:spPr>
-        <p:style>
-          <a:lnRef idx="1">
-            <a:schemeClr val="accent1"/>
-          </a:lnRef>
-          <a:fillRef idx="0">
-            <a:schemeClr val="accent1"/>
-          </a:fillRef>
-          <a:effectRef idx="0">
-            <a:schemeClr val="accent1"/>
-          </a:effectRef>
-          <a:fontRef idx="minor">
-            <a:schemeClr val="tx1"/>
-          </a:fontRef>
-        </p:style>
-      </p:cxnSp>
-      <mc:AlternateContent xmlns:mc="http://schemas.openxmlformats.org/markup-compatibility/2006" xmlns:a14="http://schemas.microsoft.com/office/drawing/2010/main">
-        <mc:Choice Requires="a14">
-          <p:sp>
-            <p:nvSpPr>
-              <p:cNvPr id="29" name="TextBox 28">
-                <a:extLst>
-                  <a:ext uri="{FF2B5EF4-FFF2-40B4-BE49-F238E27FC236}">
-                    <a16:creationId xmlns:a16="http://schemas.microsoft.com/office/drawing/2014/main" id="{164414C0-71BD-44D1-A1F5-E95B8B973C24}"/>
-                  </a:ext>
-                </a:extLst>
-              </p:cNvPr>
-              <p:cNvSpPr txBox="1"/>
-              <p:nvPr/>
-            </p:nvSpPr>
-            <p:spPr>
-              <a:xfrm>
-                <a:off x="7812049" y="3282723"/>
-                <a:ext cx="1686231" cy="276999"/>
-              </a:xfrm>
-              <a:prstGeom prst="rect">
-                <a:avLst/>
-              </a:prstGeom>
-              <a:noFill/>
-            </p:spPr>
-            <p:txBody>
-              <a:bodyPr wrap="none" lIns="0" tIns="0" rIns="0" bIns="0" rtlCol="0">
-                <a:spAutoFit/>
-              </a:bodyPr>
-              <a:lstStyle/>
-              <a:p>
-                <a:pPr/>
-                <a14:m>
-                  <m:oMathPara xmlns:m="http://schemas.openxmlformats.org/officeDocument/2006/math">
-                    <m:oMathParaPr>
-                      <m:jc m:val="centerGroup"/>
-                    </m:oMathParaPr>
-                    <m:oMath xmlns:m="http://schemas.openxmlformats.org/officeDocument/2006/math">
-                      <m:sSub>
-                        <m:sSubPr>
-                          <m:ctrlPr>
-                            <a:rPr lang="it-IT" i="1" smtClean="0">
-                              <a:latin typeface="Cambria Math" panose="02040503050406030204" pitchFamily="18" charset="0"/>
-                            </a:rPr>
-                          </m:ctrlPr>
-                        </m:sSubPr>
-                        <m:e>
-                          <m:r>
-                            <a:rPr lang="it-IT" b="0" i="1" smtClean="0">
-                              <a:latin typeface="Cambria Math" panose="02040503050406030204" pitchFamily="18" charset="0"/>
-                            </a:rPr>
-                            <m:t>𝐸𝑟𝑟𝑜𝑟</m:t>
-                          </m:r>
-                          <m:r>
-                            <a:rPr lang="it-IT" b="0" i="1" smtClean="0">
-                              <a:latin typeface="Cambria Math" panose="02040503050406030204" pitchFamily="18" charset="0"/>
-                            </a:rPr>
-                            <m:t>= </m:t>
-                          </m:r>
-                          <m:r>
-                            <a:rPr lang="it-IT" i="1">
-                              <a:latin typeface="Cambria Math" panose="02040503050406030204" pitchFamily="18" charset="0"/>
-                            </a:rPr>
-                            <m:t>𝑦</m:t>
-                          </m:r>
-                        </m:e>
-                        <m:sub>
-                          <m:r>
-                            <a:rPr lang="it-IT" i="1">
-                              <a:latin typeface="Cambria Math" panose="02040503050406030204" pitchFamily="18" charset="0"/>
-                            </a:rPr>
-                            <m:t>𝑖</m:t>
-                          </m:r>
-                        </m:sub>
-                      </m:sSub>
-                      <m:r>
-                        <a:rPr lang="it-IT" i="1">
-                          <a:latin typeface="Cambria Math" panose="02040503050406030204" pitchFamily="18" charset="0"/>
-                        </a:rPr>
-                        <m:t>−</m:t>
-                      </m:r>
-                      <m:sSub>
-                        <m:sSubPr>
-                          <m:ctrlPr>
-                            <a:rPr lang="it-IT" i="1">
-                              <a:latin typeface="Cambria Math" panose="02040503050406030204" pitchFamily="18" charset="0"/>
-                            </a:rPr>
-                          </m:ctrlPr>
-                        </m:sSubPr>
-                        <m:e>
-                          <m:r>
-                            <a:rPr lang="it-IT" i="1">
-                              <a:latin typeface="Cambria Math" panose="02040503050406030204" pitchFamily="18" charset="0"/>
-                            </a:rPr>
-                            <m:t>ŷ</m:t>
-                          </m:r>
-                        </m:e>
-                        <m:sub>
-                          <m:r>
-                            <a:rPr lang="it-IT" i="1">
-                              <a:latin typeface="Cambria Math" panose="02040503050406030204" pitchFamily="18" charset="0"/>
-                            </a:rPr>
-                            <m:t>𝑖</m:t>
-                          </m:r>
-                        </m:sub>
-                      </m:sSub>
-                    </m:oMath>
-                  </m:oMathPara>
-                </a14:m>
-                <a:endParaRPr lang="en-GB" dirty="0"/>
-              </a:p>
-            </p:txBody>
-          </p:sp>
-        </mc:Choice>
-        <mc:Fallback xmlns="">
-          <p:sp>
-            <p:nvSpPr>
-              <p:cNvPr id="29" name="TextBox 28">
-                <a:extLst>
-                  <a:ext uri="{FF2B5EF4-FFF2-40B4-BE49-F238E27FC236}">
-                    <a16:creationId xmlns:a16="http://schemas.microsoft.com/office/drawing/2014/main" id="{164414C0-71BD-44D1-A1F5-E95B8B973C24}"/>
-                  </a:ext>
-                </a:extLst>
-              </p:cNvPr>
-              <p:cNvSpPr txBox="1">
-                <a:spLocks noRot="1" noChangeAspect="1" noMove="1" noResize="1" noEditPoints="1" noAdjustHandles="1" noChangeArrowheads="1" noChangeShapeType="1" noTextEdit="1"/>
-              </p:cNvSpPr>
-              <p:nvPr/>
-            </p:nvSpPr>
-            <p:spPr>
-              <a:xfrm>
-                <a:off x="7812049" y="3282723"/>
-                <a:ext cx="1686231" cy="276999"/>
-              </a:xfrm>
-              <a:prstGeom prst="rect">
-                <a:avLst/>
-              </a:prstGeom>
-              <a:blipFill>
-                <a:blip r:embed="rId2"/>
-                <a:stretch>
-                  <a:fillRect l="-2536" t="-4444" r="-725" b="-35556"/>
-                </a:stretch>
-              </a:blipFill>
-            </p:spPr>
-            <p:txBody>
-              <a:bodyPr/>
-              <a:lstStyle/>
-              <a:p>
-                <a:r>
-                  <a:rPr lang="en-GB">
-                    <a:noFill/>
-                  </a:rPr>
-                  <a:t> </a:t>
-                </a:r>
-              </a:p>
-            </p:txBody>
-          </p:sp>
-        </mc:Fallback>
-      </mc:AlternateContent>
-      <mc:AlternateContent xmlns:mc="http://schemas.openxmlformats.org/markup-compatibility/2006" xmlns:a14="http://schemas.microsoft.com/office/drawing/2010/main">
-        <mc:Choice Requires="a14">
+      <mc:AlternateContent xmlns:mc="http://schemas.openxmlformats.org/markup-compatibility/2006">
+        <mc:Choice xmlns:a14="http://schemas.microsoft.com/office/drawing/2010/main" Requires="a14">
           <p:sp>
             <p:nvSpPr>
               <p:cNvPr id="30" name="TextBox 29">
@@ -10851,7 +9836,7 @@
             </p:nvSpPr>
             <p:spPr>
               <a:xfrm>
-                <a:off x="1086366" y="2364470"/>
+                <a:off x="7729762" y="2924727"/>
                 <a:ext cx="2938232" cy="1008546"/>
               </a:xfrm>
               <a:prstGeom prst="rect">
@@ -11034,7 +10019,7 @@
             </p:txBody>
           </p:sp>
         </mc:Choice>
-        <mc:Fallback xmlns="">
+        <mc:Fallback>
           <p:sp>
             <p:nvSpPr>
               <p:cNvPr id="30" name="TextBox 29">
@@ -11051,14 +10036,14 @@
             </p:nvSpPr>
             <p:spPr>
               <a:xfrm>
-                <a:off x="1086366" y="2364470"/>
+                <a:off x="7729762" y="2924727"/>
                 <a:ext cx="2938232" cy="1008546"/>
               </a:xfrm>
               <a:prstGeom prst="rect">
                 <a:avLst/>
               </a:prstGeom>
               <a:blipFill>
-                <a:blip r:embed="rId3"/>
+                <a:blip r:embed="rId2"/>
                 <a:stretch>
                   <a:fillRect/>
                 </a:stretch>
@@ -11093,8 +10078,8 @@
         </p:nvSpPr>
         <p:spPr>
           <a:xfrm>
-            <a:off x="643809" y="1850860"/>
-            <a:ext cx="6102220" cy="369332"/>
+            <a:off x="7940317" y="2293202"/>
+            <a:ext cx="3461691" cy="369332"/>
           </a:xfrm>
           <a:prstGeom prst="rect">
             <a:avLst/>
@@ -11109,7 +10094,7 @@
           <a:p>
             <a:r>
               <a:rPr lang="en-GB" dirty="0"/>
-              <a:t>Cost function: Mean Squared Error (MSE)</a:t>
+              <a:t>Mean Squared Error (MSE)</a:t>
             </a:r>
           </a:p>
         </p:txBody>
@@ -11133,7 +10118,7 @@
         <p:spPr>
           <a:xfrm>
             <a:off x="410513" y="210651"/>
-            <a:ext cx="8596668" cy="1320800"/>
+            <a:ext cx="8596668" cy="1143843"/>
           </a:xfrm>
         </p:spPr>
         <p:txBody>
@@ -11168,6 +10153,244 @@
           </a:p>
         </p:txBody>
       </p:sp>
+      <p:pic>
+        <p:nvPicPr>
+          <p:cNvPr id="1026" name="Picture 2">
+            <a:extLst>
+              <a:ext uri="{FF2B5EF4-FFF2-40B4-BE49-F238E27FC236}">
+                <a16:creationId xmlns:a16="http://schemas.microsoft.com/office/drawing/2014/main" id="{ADD5FD23-F5BD-89A5-D7F2-A37A12275BD1}"/>
+              </a:ext>
+            </a:extLst>
+          </p:cNvPr>
+          <p:cNvPicPr>
+            <a:picLocks noChangeAspect="1" noChangeArrowheads="1"/>
+          </p:cNvPicPr>
+          <p:nvPr/>
+        </p:nvPicPr>
+        <p:blipFill>
+          <a:blip r:embed="rId3">
+            <a:extLst>
+              <a:ext uri="{28A0092B-C50C-407E-A947-70E740481C1C}">
+                <a14:useLocalDpi xmlns:a14="http://schemas.microsoft.com/office/drawing/2010/main" val="0"/>
+              </a:ext>
+            </a:extLst>
+          </a:blip>
+          <a:srcRect/>
+          <a:stretch>
+            <a:fillRect/>
+          </a:stretch>
+        </p:blipFill>
+        <p:spPr bwMode="auto">
+          <a:xfrm>
+            <a:off x="551529" y="1419809"/>
+            <a:ext cx="6090808" cy="4388216"/>
+          </a:xfrm>
+          <a:prstGeom prst="rect">
+            <a:avLst/>
+          </a:prstGeom>
+          <a:noFill/>
+          <a:extLst>
+            <a:ext uri="{909E8E84-426E-40DD-AFC4-6F175D3DCCD1}">
+              <a14:hiddenFill xmlns:a14="http://schemas.microsoft.com/office/drawing/2010/main">
+                <a:solidFill>
+                  <a:srgbClr val="FFFFFF"/>
+                </a:solidFill>
+              </a14:hiddenFill>
+            </a:ext>
+          </a:extLst>
+        </p:spPr>
+      </p:pic>
+      <p:cxnSp>
+        <p:nvCxnSpPr>
+          <p:cNvPr id="35" name="Straight Arrow Connector 34">
+            <a:extLst>
+              <a:ext uri="{FF2B5EF4-FFF2-40B4-BE49-F238E27FC236}">
+                <a16:creationId xmlns:a16="http://schemas.microsoft.com/office/drawing/2014/main" id="{B18D7464-BA5D-27CC-BAA9-6C614B8550E8}"/>
+              </a:ext>
+            </a:extLst>
+          </p:cNvPr>
+          <p:cNvCxnSpPr>
+            <a:cxnSpLocks/>
+          </p:cNvCxnSpPr>
+          <p:nvPr/>
+        </p:nvCxnSpPr>
+        <p:spPr>
+          <a:xfrm>
+            <a:off x="5228656" y="2713392"/>
+            <a:ext cx="0" cy="849589"/>
+          </a:xfrm>
+          <a:prstGeom prst="straightConnector1">
+            <a:avLst/>
+          </a:prstGeom>
+          <a:ln>
+            <a:solidFill>
+              <a:schemeClr val="tx1"/>
+            </a:solidFill>
+            <a:headEnd type="triangle"/>
+            <a:tailEnd type="triangle"/>
+          </a:ln>
+        </p:spPr>
+        <p:style>
+          <a:lnRef idx="1">
+            <a:schemeClr val="accent1"/>
+          </a:lnRef>
+          <a:fillRef idx="0">
+            <a:schemeClr val="accent1"/>
+          </a:fillRef>
+          <a:effectRef idx="0">
+            <a:schemeClr val="accent1"/>
+          </a:effectRef>
+          <a:fontRef idx="minor">
+            <a:schemeClr val="tx1"/>
+          </a:fontRef>
+        </p:style>
+      </p:cxnSp>
+      <mc:AlternateContent xmlns:mc="http://schemas.openxmlformats.org/markup-compatibility/2006">
+        <mc:Choice xmlns:a14="http://schemas.microsoft.com/office/drawing/2010/main" Requires="a14">
+          <p:sp>
+            <p:nvSpPr>
+              <p:cNvPr id="36" name="TextBox 35">
+                <a:extLst>
+                  <a:ext uri="{FF2B5EF4-FFF2-40B4-BE49-F238E27FC236}">
+                    <a16:creationId xmlns:a16="http://schemas.microsoft.com/office/drawing/2014/main" id="{0B05DA85-EE53-9883-0008-D0257CED4617}"/>
+                  </a:ext>
+                </a:extLst>
+              </p:cNvPr>
+              <p:cNvSpPr txBox="1"/>
+              <p:nvPr/>
+            </p:nvSpPr>
+            <p:spPr>
+              <a:xfrm>
+                <a:off x="5252575" y="2968389"/>
+                <a:ext cx="843425" cy="339594"/>
+              </a:xfrm>
+              <a:prstGeom prst="rect">
+                <a:avLst/>
+              </a:prstGeom>
+              <a:noFill/>
+            </p:spPr>
+            <p:txBody>
+              <a:bodyPr wrap="none" lIns="0" tIns="0" rIns="0" bIns="0" rtlCol="0">
+                <a:spAutoFit/>
+              </a:bodyPr>
+              <a:lstStyle/>
+              <a:p>
+                <a:pPr/>
+                <a14:m>
+                  <m:oMathPara xmlns:m="http://schemas.openxmlformats.org/officeDocument/2006/math">
+                    <m:oMathParaPr>
+                      <m:jc m:val="centerGroup"/>
+                    </m:oMathParaPr>
+                    <m:oMath xmlns:m="http://schemas.openxmlformats.org/officeDocument/2006/math">
+                      <m:sSub>
+                        <m:sSubPr>
+                          <m:ctrlPr>
+                            <a:rPr lang="it-IT" i="1" smtClean="0">
+                              <a:latin typeface="Cambria Math" panose="02040503050406030204" pitchFamily="18" charset="0"/>
+                            </a:rPr>
+                          </m:ctrlPr>
+                        </m:sSubPr>
+                        <m:e>
+                          <m:r>
+                            <a:rPr lang="en-GB" b="0" i="1" smtClean="0">
+                              <a:latin typeface="Cambria Math" panose="02040503050406030204" pitchFamily="18" charset="0"/>
+                            </a:rPr>
+                            <m:t>𝑦</m:t>
+                          </m:r>
+                        </m:e>
+                        <m:sub>
+                          <m:r>
+                            <a:rPr lang="en-GB" b="0" i="1" smtClean="0">
+                              <a:latin typeface="Cambria Math" panose="02040503050406030204" pitchFamily="18" charset="0"/>
+                            </a:rPr>
+                            <m:t>𝑖</m:t>
+                          </m:r>
+                        </m:sub>
+                      </m:sSub>
+                      <m:r>
+                        <a:rPr lang="it-IT" i="1">
+                          <a:latin typeface="Cambria Math" panose="02040503050406030204" pitchFamily="18" charset="0"/>
+                        </a:rPr>
+                        <m:t>−</m:t>
+                      </m:r>
+                      <m:sSub>
+                        <m:sSubPr>
+                          <m:ctrlPr>
+                            <a:rPr lang="it-IT" i="1">
+                              <a:latin typeface="Cambria Math" panose="02040503050406030204" pitchFamily="18" charset="0"/>
+                            </a:rPr>
+                          </m:ctrlPr>
+                        </m:sSubPr>
+                        <m:e>
+                          <m:r>
+                            <a:rPr lang="it-IT" i="1">
+                              <a:latin typeface="Cambria Math" panose="02040503050406030204" pitchFamily="18" charset="0"/>
+                            </a:rPr>
+                            <m:t>ŷ</m:t>
+                          </m:r>
+                        </m:e>
+                        <m:sub>
+                          <m:r>
+                            <a:rPr lang="it-IT" i="1">
+                              <a:latin typeface="Cambria Math" panose="02040503050406030204" pitchFamily="18" charset="0"/>
+                            </a:rPr>
+                            <m:t>𝑖</m:t>
+                          </m:r>
+                        </m:sub>
+                      </m:sSub>
+                    </m:oMath>
+                  </m:oMathPara>
+                </a14:m>
+                <a:endParaRPr lang="en-GB" dirty="0"/>
+              </a:p>
+            </p:txBody>
+          </p:sp>
+        </mc:Choice>
+        <mc:Fallback>
+          <p:sp>
+            <p:nvSpPr>
+              <p:cNvPr id="36" name="TextBox 35">
+                <a:extLst>
+                  <a:ext uri="{FF2B5EF4-FFF2-40B4-BE49-F238E27FC236}">
+                    <a16:creationId xmlns:a16="http://schemas.microsoft.com/office/drawing/2014/main" id="{0B05DA85-EE53-9883-0008-D0257CED4617}"/>
+                  </a:ext>
+                </a:extLst>
+              </p:cNvPr>
+              <p:cNvSpPr txBox="1">
+                <a:spLocks noRot="1" noChangeAspect="1" noMove="1" noResize="1" noEditPoints="1" noAdjustHandles="1" noChangeArrowheads="1" noChangeShapeType="1" noTextEdit="1"/>
+              </p:cNvSpPr>
+              <p:nvPr/>
+            </p:nvSpPr>
+            <p:spPr>
+              <a:xfrm>
+                <a:off x="5252575" y="2968389"/>
+                <a:ext cx="843425" cy="339594"/>
+              </a:xfrm>
+              <a:prstGeom prst="rect">
+                <a:avLst/>
+              </a:prstGeom>
+              <a:blipFill>
+                <a:blip r:embed="rId4"/>
+                <a:stretch>
+                  <a:fillRect t="-1786" b="-8929"/>
+                </a:stretch>
+              </a:blipFill>
+            </p:spPr>
+            <p:txBody>
+              <a:bodyPr/>
+              <a:lstStyle/>
+              <a:p>
+                <a:r>
+                  <a:rPr lang="en-GB">
+                    <a:noFill/>
+                  </a:rPr>
+                  <a:t> </a:t>
+                </a:r>
+              </a:p>
+            </p:txBody>
+          </p:sp>
+        </mc:Fallback>
+      </mc:AlternateContent>
     </p:spTree>
     <p:extLst>
       <p:ext uri="{BB962C8B-B14F-4D97-AF65-F5344CB8AC3E}">
